--- a/images_pvis/data-char.pptx
+++ b/images_pvis/data-char.pptx
@@ -4,6 +4,9 @@
   <p:sldMasterIdLst>
     <p:sldMasterId id="2147483708" r:id="rId1"/>
   </p:sldMasterIdLst>
+  <p:notesMasterIdLst>
+    <p:notesMasterId r:id="rId3"/>
+  </p:notesMasterIdLst>
   <p:sldIdLst>
     <p:sldId id="256" r:id="rId2"/>
   </p:sldIdLst>
@@ -107,6 +110,440 @@
 </p:presentation>
 </file>
 
+<file path=ppt/notesMasters/notesMaster1.xml><?xml version="1.0" encoding="utf-8"?>
+<p:notesMaster xmlns:a="http://schemas.openxmlformats.org/drawingml/2006/main" xmlns:r="http://schemas.openxmlformats.org/officeDocument/2006/relationships" xmlns:p="http://schemas.openxmlformats.org/presentationml/2006/main">
+  <p:cSld>
+    <p:bg>
+      <p:bgRef idx="1001">
+        <a:schemeClr val="bg1"/>
+      </p:bgRef>
+    </p:bg>
+    <p:spTree>
+      <p:nvGrpSpPr>
+        <p:cNvPr id="1" name=""/>
+        <p:cNvGrpSpPr/>
+        <p:nvPr/>
+      </p:nvGrpSpPr>
+      <p:grpSpPr>
+        <a:xfrm>
+          <a:off x="0" y="0"/>
+          <a:ext cx="0" cy="0"/>
+          <a:chOff x="0" y="0"/>
+          <a:chExt cx="0" cy="0"/>
+        </a:xfrm>
+      </p:grpSpPr>
+      <p:sp>
+        <p:nvSpPr>
+          <p:cNvPr id="2" name="Header Placeholder 1"/>
+          <p:cNvSpPr>
+            <a:spLocks noGrp="1"/>
+          </p:cNvSpPr>
+          <p:nvPr>
+            <p:ph type="hdr" sz="quarter"/>
+          </p:nvPr>
+        </p:nvSpPr>
+        <p:spPr>
+          <a:xfrm>
+            <a:off x="0" y="0"/>
+            <a:ext cx="2971800" cy="457200"/>
+          </a:xfrm>
+          <a:prstGeom prst="rect">
+            <a:avLst/>
+          </a:prstGeom>
+        </p:spPr>
+        <p:txBody>
+          <a:bodyPr vert="horz" lIns="91440" tIns="45720" rIns="91440" bIns="45720" rtlCol="0"/>
+          <a:lstStyle>
+            <a:lvl1pPr algn="l">
+              <a:defRPr sz="1200"/>
+            </a:lvl1pPr>
+          </a:lstStyle>
+          <a:p>
+            <a:endParaRPr lang="en-US"/>
+          </a:p>
+        </p:txBody>
+      </p:sp>
+      <p:sp>
+        <p:nvSpPr>
+          <p:cNvPr id="3" name="Date Placeholder 2"/>
+          <p:cNvSpPr>
+            <a:spLocks noGrp="1"/>
+          </p:cNvSpPr>
+          <p:nvPr>
+            <p:ph type="dt" idx="1"/>
+          </p:nvPr>
+        </p:nvSpPr>
+        <p:spPr>
+          <a:xfrm>
+            <a:off x="3884613" y="0"/>
+            <a:ext cx="2971800" cy="457200"/>
+          </a:xfrm>
+          <a:prstGeom prst="rect">
+            <a:avLst/>
+          </a:prstGeom>
+        </p:spPr>
+        <p:txBody>
+          <a:bodyPr vert="horz" lIns="91440" tIns="45720" rIns="91440" bIns="45720" rtlCol="0"/>
+          <a:lstStyle>
+            <a:lvl1pPr algn="r">
+              <a:defRPr sz="1200"/>
+            </a:lvl1pPr>
+          </a:lstStyle>
+          <a:p>
+            <a:fld id="{664518E8-0F05-4082-AC33-2465F1DCE6FF}" type="datetimeFigureOut">
+              <a:rPr lang="en-US" smtClean="0"/>
+              <a:t>9/24/2014</a:t>
+            </a:fld>
+            <a:endParaRPr lang="en-US"/>
+          </a:p>
+        </p:txBody>
+      </p:sp>
+      <p:sp>
+        <p:nvSpPr>
+          <p:cNvPr id="4" name="Slide Image Placeholder 3"/>
+          <p:cNvSpPr>
+            <a:spLocks noGrp="1" noRot="1" noChangeAspect="1"/>
+          </p:cNvSpPr>
+          <p:nvPr>
+            <p:ph type="sldImg" idx="2"/>
+          </p:nvPr>
+        </p:nvSpPr>
+        <p:spPr>
+          <a:xfrm>
+            <a:off x="1216025" y="685800"/>
+            <a:ext cx="4425950" cy="3429000"/>
+          </a:xfrm>
+          <a:prstGeom prst="rect">
+            <a:avLst/>
+          </a:prstGeom>
+          <a:noFill/>
+          <a:ln w="12700">
+            <a:solidFill>
+              <a:prstClr val="black"/>
+            </a:solidFill>
+          </a:ln>
+        </p:spPr>
+        <p:txBody>
+          <a:bodyPr vert="horz" lIns="91440" tIns="45720" rIns="91440" bIns="45720" rtlCol="0" anchor="ctr"/>
+          <a:lstStyle/>
+          <a:p>
+            <a:endParaRPr lang="en-US"/>
+          </a:p>
+        </p:txBody>
+      </p:sp>
+      <p:sp>
+        <p:nvSpPr>
+          <p:cNvPr id="5" name="Notes Placeholder 4"/>
+          <p:cNvSpPr>
+            <a:spLocks noGrp="1"/>
+          </p:cNvSpPr>
+          <p:nvPr>
+            <p:ph type="body" sz="quarter" idx="3"/>
+          </p:nvPr>
+        </p:nvSpPr>
+        <p:spPr>
+          <a:xfrm>
+            <a:off x="685800" y="4343400"/>
+            <a:ext cx="5486400" cy="4114800"/>
+          </a:xfrm>
+          <a:prstGeom prst="rect">
+            <a:avLst/>
+          </a:prstGeom>
+        </p:spPr>
+        <p:txBody>
+          <a:bodyPr vert="horz" lIns="91440" tIns="45720" rIns="91440" bIns="45720" rtlCol="0"/>
+          <a:lstStyle/>
+          <a:p>
+            <a:pPr lvl="0"/>
+            <a:r>
+              <a:rPr lang="en-US" smtClean="0"/>
+              <a:t>Click to edit Master text styles</a:t>
+            </a:r>
+          </a:p>
+          <a:p>
+            <a:pPr lvl="1"/>
+            <a:r>
+              <a:rPr lang="en-US" smtClean="0"/>
+              <a:t>Second level</a:t>
+            </a:r>
+          </a:p>
+          <a:p>
+            <a:pPr lvl="2"/>
+            <a:r>
+              <a:rPr lang="en-US" smtClean="0"/>
+              <a:t>Third level</a:t>
+            </a:r>
+          </a:p>
+          <a:p>
+            <a:pPr lvl="3"/>
+            <a:r>
+              <a:rPr lang="en-US" smtClean="0"/>
+              <a:t>Fourth level</a:t>
+            </a:r>
+          </a:p>
+          <a:p>
+            <a:pPr lvl="4"/>
+            <a:r>
+              <a:rPr lang="en-US" smtClean="0"/>
+              <a:t>Fifth level</a:t>
+            </a:r>
+            <a:endParaRPr lang="en-US"/>
+          </a:p>
+        </p:txBody>
+      </p:sp>
+      <p:sp>
+        <p:nvSpPr>
+          <p:cNvPr id="6" name="Footer Placeholder 5"/>
+          <p:cNvSpPr>
+            <a:spLocks noGrp="1"/>
+          </p:cNvSpPr>
+          <p:nvPr>
+            <p:ph type="ftr" sz="quarter" idx="4"/>
+          </p:nvPr>
+        </p:nvSpPr>
+        <p:spPr>
+          <a:xfrm>
+            <a:off x="0" y="8685213"/>
+            <a:ext cx="2971800" cy="457200"/>
+          </a:xfrm>
+          <a:prstGeom prst="rect">
+            <a:avLst/>
+          </a:prstGeom>
+        </p:spPr>
+        <p:txBody>
+          <a:bodyPr vert="horz" lIns="91440" tIns="45720" rIns="91440" bIns="45720" rtlCol="0" anchor="b"/>
+          <a:lstStyle>
+            <a:lvl1pPr algn="l">
+              <a:defRPr sz="1200"/>
+            </a:lvl1pPr>
+          </a:lstStyle>
+          <a:p>
+            <a:endParaRPr lang="en-US"/>
+          </a:p>
+        </p:txBody>
+      </p:sp>
+      <p:sp>
+        <p:nvSpPr>
+          <p:cNvPr id="7" name="Slide Number Placeholder 6"/>
+          <p:cNvSpPr>
+            <a:spLocks noGrp="1"/>
+          </p:cNvSpPr>
+          <p:nvPr>
+            <p:ph type="sldNum" sz="quarter" idx="5"/>
+          </p:nvPr>
+        </p:nvSpPr>
+        <p:spPr>
+          <a:xfrm>
+            <a:off x="3884613" y="8685213"/>
+            <a:ext cx="2971800" cy="457200"/>
+          </a:xfrm>
+          <a:prstGeom prst="rect">
+            <a:avLst/>
+          </a:prstGeom>
+        </p:spPr>
+        <p:txBody>
+          <a:bodyPr vert="horz" lIns="91440" tIns="45720" rIns="91440" bIns="45720" rtlCol="0" anchor="b"/>
+          <a:lstStyle>
+            <a:lvl1pPr algn="r">
+              <a:defRPr sz="1200"/>
+            </a:lvl1pPr>
+          </a:lstStyle>
+          <a:p>
+            <a:fld id="{9B6F9AD6-FF45-402F-90D5-27CCCEEBC2E4}" type="slidenum">
+              <a:rPr lang="en-US" smtClean="0"/>
+              <a:t>‹#›</a:t>
+            </a:fld>
+            <a:endParaRPr lang="en-US"/>
+          </a:p>
+        </p:txBody>
+      </p:sp>
+    </p:spTree>
+    <p:extLst>
+      <p:ext uri="{BB962C8B-B14F-4D97-AF65-F5344CB8AC3E}">
+        <p14:creationId xmlns:p14="http://schemas.microsoft.com/office/powerpoint/2010/main" val="838809748"/>
+      </p:ext>
+    </p:extLst>
+  </p:cSld>
+  <p:clrMap bg1="lt1" tx1="dk1" bg2="lt2" tx2="dk2" accent1="accent1" accent2="accent2" accent3="accent3" accent4="accent4" accent5="accent5" accent6="accent6" hlink="hlink" folHlink="folHlink"/>
+  <p:notesStyle>
+    <a:lvl1pPr marL="0" algn="l" defTabSz="914400" rtl="0" eaLnBrk="1" latinLnBrk="0" hangingPunct="1">
+      <a:defRPr sz="1200" kern="1200">
+        <a:solidFill>
+          <a:schemeClr val="tx1"/>
+        </a:solidFill>
+        <a:latin typeface="+mn-lt"/>
+        <a:ea typeface="+mn-ea"/>
+        <a:cs typeface="+mn-cs"/>
+      </a:defRPr>
+    </a:lvl1pPr>
+    <a:lvl2pPr marL="457200" algn="l" defTabSz="914400" rtl="0" eaLnBrk="1" latinLnBrk="0" hangingPunct="1">
+      <a:defRPr sz="1200" kern="1200">
+        <a:solidFill>
+          <a:schemeClr val="tx1"/>
+        </a:solidFill>
+        <a:latin typeface="+mn-lt"/>
+        <a:ea typeface="+mn-ea"/>
+        <a:cs typeface="+mn-cs"/>
+      </a:defRPr>
+    </a:lvl2pPr>
+    <a:lvl3pPr marL="914400" algn="l" defTabSz="914400" rtl="0" eaLnBrk="1" latinLnBrk="0" hangingPunct="1">
+      <a:defRPr sz="1200" kern="1200">
+        <a:solidFill>
+          <a:schemeClr val="tx1"/>
+        </a:solidFill>
+        <a:latin typeface="+mn-lt"/>
+        <a:ea typeface="+mn-ea"/>
+        <a:cs typeface="+mn-cs"/>
+      </a:defRPr>
+    </a:lvl3pPr>
+    <a:lvl4pPr marL="1371600" algn="l" defTabSz="914400" rtl="0" eaLnBrk="1" latinLnBrk="0" hangingPunct="1">
+      <a:defRPr sz="1200" kern="1200">
+        <a:solidFill>
+          <a:schemeClr val="tx1"/>
+        </a:solidFill>
+        <a:latin typeface="+mn-lt"/>
+        <a:ea typeface="+mn-ea"/>
+        <a:cs typeface="+mn-cs"/>
+      </a:defRPr>
+    </a:lvl4pPr>
+    <a:lvl5pPr marL="1828800" algn="l" defTabSz="914400" rtl="0" eaLnBrk="1" latinLnBrk="0" hangingPunct="1">
+      <a:defRPr sz="1200" kern="1200">
+        <a:solidFill>
+          <a:schemeClr val="tx1"/>
+        </a:solidFill>
+        <a:latin typeface="+mn-lt"/>
+        <a:ea typeface="+mn-ea"/>
+        <a:cs typeface="+mn-cs"/>
+      </a:defRPr>
+    </a:lvl5pPr>
+    <a:lvl6pPr marL="2286000" algn="l" defTabSz="914400" rtl="0" eaLnBrk="1" latinLnBrk="0" hangingPunct="1">
+      <a:defRPr sz="1200" kern="1200">
+        <a:solidFill>
+          <a:schemeClr val="tx1"/>
+        </a:solidFill>
+        <a:latin typeface="+mn-lt"/>
+        <a:ea typeface="+mn-ea"/>
+        <a:cs typeface="+mn-cs"/>
+      </a:defRPr>
+    </a:lvl6pPr>
+    <a:lvl7pPr marL="2743200" algn="l" defTabSz="914400" rtl="0" eaLnBrk="1" latinLnBrk="0" hangingPunct="1">
+      <a:defRPr sz="1200" kern="1200">
+        <a:solidFill>
+          <a:schemeClr val="tx1"/>
+        </a:solidFill>
+        <a:latin typeface="+mn-lt"/>
+        <a:ea typeface="+mn-ea"/>
+        <a:cs typeface="+mn-cs"/>
+      </a:defRPr>
+    </a:lvl7pPr>
+    <a:lvl8pPr marL="3200400" algn="l" defTabSz="914400" rtl="0" eaLnBrk="1" latinLnBrk="0" hangingPunct="1">
+      <a:defRPr sz="1200" kern="1200">
+        <a:solidFill>
+          <a:schemeClr val="tx1"/>
+        </a:solidFill>
+        <a:latin typeface="+mn-lt"/>
+        <a:ea typeface="+mn-ea"/>
+        <a:cs typeface="+mn-cs"/>
+      </a:defRPr>
+    </a:lvl8pPr>
+    <a:lvl9pPr marL="3657600" algn="l" defTabSz="914400" rtl="0" eaLnBrk="1" latinLnBrk="0" hangingPunct="1">
+      <a:defRPr sz="1200" kern="1200">
+        <a:solidFill>
+          <a:schemeClr val="tx1"/>
+        </a:solidFill>
+        <a:latin typeface="+mn-lt"/>
+        <a:ea typeface="+mn-ea"/>
+        <a:cs typeface="+mn-cs"/>
+      </a:defRPr>
+    </a:lvl9pPr>
+  </p:notesStyle>
+</p:notesMaster>
+</file>
+
+<file path=ppt/notesSlides/notesSlide1.xml><?xml version="1.0" encoding="utf-8"?>
+<p:notes xmlns:a="http://schemas.openxmlformats.org/drawingml/2006/main" xmlns:r="http://schemas.openxmlformats.org/officeDocument/2006/relationships" xmlns:p="http://schemas.openxmlformats.org/presentationml/2006/main">
+  <p:cSld>
+    <p:spTree>
+      <p:nvGrpSpPr>
+        <p:cNvPr id="1" name=""/>
+        <p:cNvGrpSpPr/>
+        <p:nvPr/>
+      </p:nvGrpSpPr>
+      <p:grpSpPr>
+        <a:xfrm>
+          <a:off x="0" y="0"/>
+          <a:ext cx="0" cy="0"/>
+          <a:chOff x="0" y="0"/>
+          <a:chExt cx="0" cy="0"/>
+        </a:xfrm>
+      </p:grpSpPr>
+      <p:sp>
+        <p:nvSpPr>
+          <p:cNvPr id="2" name="Slide Image Placeholder 1"/>
+          <p:cNvSpPr>
+            <a:spLocks noGrp="1" noRot="1" noChangeAspect="1"/>
+          </p:cNvSpPr>
+          <p:nvPr>
+            <p:ph type="sldImg"/>
+          </p:nvPr>
+        </p:nvSpPr>
+        <p:spPr/>
+      </p:sp>
+      <p:sp>
+        <p:nvSpPr>
+          <p:cNvPr id="3" name="Notes Placeholder 2"/>
+          <p:cNvSpPr>
+            <a:spLocks noGrp="1"/>
+          </p:cNvSpPr>
+          <p:nvPr>
+            <p:ph type="body" idx="1"/>
+          </p:nvPr>
+        </p:nvSpPr>
+        <p:spPr/>
+        <p:txBody>
+          <a:bodyPr/>
+          <a:lstStyle/>
+          <a:p>
+            <a:endParaRPr lang="en-US"/>
+          </a:p>
+        </p:txBody>
+      </p:sp>
+      <p:sp>
+        <p:nvSpPr>
+          <p:cNvPr id="4" name="Slide Number Placeholder 3"/>
+          <p:cNvSpPr>
+            <a:spLocks noGrp="1"/>
+          </p:cNvSpPr>
+          <p:nvPr>
+            <p:ph type="sldNum" sz="quarter" idx="10"/>
+          </p:nvPr>
+        </p:nvSpPr>
+        <p:spPr/>
+        <p:txBody>
+          <a:bodyPr/>
+          <a:lstStyle/>
+          <a:p>
+            <a:fld id="{9B6F9AD6-FF45-402F-90D5-27CCCEEBC2E4}" type="slidenum">
+              <a:rPr lang="en-US" smtClean="0"/>
+              <a:t>1</a:t>
+            </a:fld>
+            <a:endParaRPr lang="en-US"/>
+          </a:p>
+        </p:txBody>
+      </p:sp>
+    </p:spTree>
+    <p:extLst>
+      <p:ext uri="{BB962C8B-B14F-4D97-AF65-F5344CB8AC3E}">
+        <p14:creationId xmlns:p14="http://schemas.microsoft.com/office/powerpoint/2010/main" val="2151733533"/>
+      </p:ext>
+    </p:extLst>
+  </p:cSld>
+  <p:clrMapOvr>
+    <a:masterClrMapping/>
+  </p:clrMapOvr>
+</p:notes>
+</file>
+
 <file path=ppt/slideLayouts/slideLayout1.xml><?xml version="1.0" encoding="utf-8"?>
 <p:sldLayout xmlns:a="http://schemas.openxmlformats.org/drawingml/2006/main" xmlns:r="http://schemas.openxmlformats.org/officeDocument/2006/relationships" xmlns:p="http://schemas.openxmlformats.org/presentationml/2006/main" type="title" preserve="1">
   <p:cSld name="Title Slide">
@@ -238,7 +675,7 @@
           <a:p>
             <a:fld id="{D5733D75-C1E6-43FA-A4C1-CB390108D22E}" type="datetimeFigureOut">
               <a:rPr lang="en-US" smtClean="0"/>
-              <a:t>9/25/2014</a:t>
+              <a:t>9/24/2014</a:t>
             </a:fld>
             <a:endParaRPr lang="en-US"/>
           </a:p>
@@ -408,7 +845,7 @@
           <a:p>
             <a:fld id="{D5733D75-C1E6-43FA-A4C1-CB390108D22E}" type="datetimeFigureOut">
               <a:rPr lang="en-US" smtClean="0"/>
-              <a:t>9/25/2014</a:t>
+              <a:t>9/24/2014</a:t>
             </a:fld>
             <a:endParaRPr lang="en-US"/>
           </a:p>
@@ -588,7 +1025,7 @@
           <a:p>
             <a:fld id="{D5733D75-C1E6-43FA-A4C1-CB390108D22E}" type="datetimeFigureOut">
               <a:rPr lang="en-US" smtClean="0"/>
-              <a:t>9/25/2014</a:t>
+              <a:t>9/24/2014</a:t>
             </a:fld>
             <a:endParaRPr lang="en-US"/>
           </a:p>
@@ -758,7 +1195,7 @@
           <a:p>
             <a:fld id="{D5733D75-C1E6-43FA-A4C1-CB390108D22E}" type="datetimeFigureOut">
               <a:rPr lang="en-US" smtClean="0"/>
-              <a:t>9/25/2014</a:t>
+              <a:t>9/24/2014</a:t>
             </a:fld>
             <a:endParaRPr lang="en-US"/>
           </a:p>
@@ -1002,7 +1439,7 @@
           <a:p>
             <a:fld id="{D5733D75-C1E6-43FA-A4C1-CB390108D22E}" type="datetimeFigureOut">
               <a:rPr lang="en-US" smtClean="0"/>
-              <a:t>9/25/2014</a:t>
+              <a:t>9/24/2014</a:t>
             </a:fld>
             <a:endParaRPr lang="en-US"/>
           </a:p>
@@ -1234,7 +1671,7 @@
           <a:p>
             <a:fld id="{D5733D75-C1E6-43FA-A4C1-CB390108D22E}" type="datetimeFigureOut">
               <a:rPr lang="en-US" smtClean="0"/>
-              <a:t>9/25/2014</a:t>
+              <a:t>9/24/2014</a:t>
             </a:fld>
             <a:endParaRPr lang="en-US"/>
           </a:p>
@@ -1601,7 +2038,7 @@
           <a:p>
             <a:fld id="{D5733D75-C1E6-43FA-A4C1-CB390108D22E}" type="datetimeFigureOut">
               <a:rPr lang="en-US" smtClean="0"/>
-              <a:t>9/25/2014</a:t>
+              <a:t>9/24/2014</a:t>
             </a:fld>
             <a:endParaRPr lang="en-US"/>
           </a:p>
@@ -1719,7 +2156,7 @@
           <a:p>
             <a:fld id="{D5733D75-C1E6-43FA-A4C1-CB390108D22E}" type="datetimeFigureOut">
               <a:rPr lang="en-US" smtClean="0"/>
-              <a:t>9/25/2014</a:t>
+              <a:t>9/24/2014</a:t>
             </a:fld>
             <a:endParaRPr lang="en-US"/>
           </a:p>
@@ -1814,7 +2251,7 @@
           <a:p>
             <a:fld id="{D5733D75-C1E6-43FA-A4C1-CB390108D22E}" type="datetimeFigureOut">
               <a:rPr lang="en-US" smtClean="0"/>
-              <a:t>9/25/2014</a:t>
+              <a:t>9/24/2014</a:t>
             </a:fld>
             <a:endParaRPr lang="en-US"/>
           </a:p>
@@ -2091,7 +2528,7 @@
           <a:p>
             <a:fld id="{D5733D75-C1E6-43FA-A4C1-CB390108D22E}" type="datetimeFigureOut">
               <a:rPr lang="en-US" smtClean="0"/>
-              <a:t>9/25/2014</a:t>
+              <a:t>9/24/2014</a:t>
             </a:fld>
             <a:endParaRPr lang="en-US"/>
           </a:p>
@@ -2348,7 +2785,7 @@
           <a:p>
             <a:fld id="{D5733D75-C1E6-43FA-A4C1-CB390108D22E}" type="datetimeFigureOut">
               <a:rPr lang="en-US" smtClean="0"/>
-              <a:t>9/25/2014</a:t>
+              <a:t>9/24/2014</a:t>
             </a:fld>
             <a:endParaRPr lang="en-US"/>
           </a:p>
@@ -2561,7 +2998,7 @@
           <a:p>
             <a:fld id="{D5733D75-C1E6-43FA-A4C1-CB390108D22E}" type="datetimeFigureOut">
               <a:rPr lang="en-US" smtClean="0"/>
-              <a:t>9/25/2014</a:t>
+              <a:t>9/24/2014</a:t>
             </a:fld>
             <a:endParaRPr lang="en-US"/>
           </a:p>
@@ -2991,7 +3428,7 @@
             <p:nvPr/>
           </p:nvPicPr>
           <p:blipFill>
-            <a:blip r:embed="rId2">
+            <a:blip r:embed="rId3">
               <a:extLst>
                 <a:ext uri="{28A0092B-C50C-407E-A947-70E740481C1C}">
                   <a14:useLocalDpi xmlns:a14="http://schemas.microsoft.com/office/drawing/2010/main" val="0"/>
@@ -3021,7 +3458,7 @@
             <p:nvPr/>
           </p:nvPicPr>
           <p:blipFill>
-            <a:blip r:embed="rId3">
+            <a:blip r:embed="rId4">
               <a:extLst>
                 <a:ext uri="{28A0092B-C50C-407E-A947-70E740481C1C}">
                   <a14:useLocalDpi xmlns:a14="http://schemas.microsoft.com/office/drawing/2010/main" val="0"/>
@@ -3056,7 +3493,7 @@
             <p:nvPr/>
           </p:nvPicPr>
           <p:blipFill>
-            <a:blip r:embed="rId4">
+            <a:blip r:embed="rId5">
               <a:extLst>
                 <a:ext uri="{28A0092B-C50C-407E-A947-70E740481C1C}">
                   <a14:useLocalDpi xmlns:a14="http://schemas.microsoft.com/office/drawing/2010/main" val="0"/>
@@ -3091,7 +3528,7 @@
             <p:nvPr/>
           </p:nvPicPr>
           <p:blipFill>
-            <a:blip r:embed="rId5">
+            <a:blip r:embed="rId6">
               <a:extLst>
                 <a:ext uri="{28A0092B-C50C-407E-A947-70E740481C1C}">
                   <a14:useLocalDpi xmlns:a14="http://schemas.microsoft.com/office/drawing/2010/main" val="0"/>
@@ -3381,7 +3818,6 @@
                 <a:rPr lang="en-US" sz="5820" dirty="0"/>
                 <a:t>b</a:t>
               </a:r>
-              <a:endParaRPr lang="en-US" sz="5820" dirty="0"/>
             </a:p>
           </p:txBody>
         </p:sp>
@@ -3449,10 +3885,10 @@
           </p:nvGrpSpPr>
           <p:grpSpPr>
             <a:xfrm>
-              <a:off x="877184" y="1477435"/>
-              <a:ext cx="8685129" cy="5653603"/>
-              <a:chOff x="877184" y="1477435"/>
-              <a:chExt cx="8685129" cy="5653603"/>
+              <a:off x="903965" y="1222978"/>
+              <a:ext cx="8658348" cy="5908060"/>
+              <a:chOff x="903965" y="1222978"/>
+              <a:chExt cx="8658348" cy="5908060"/>
             </a:xfrm>
           </p:grpSpPr>
           <p:cxnSp>
@@ -3607,8 +4043,8 @@
             </p:nvSpPr>
             <p:spPr>
               <a:xfrm rot="585327">
-                <a:off x="877184" y="1477435"/>
-                <a:ext cx="2180017" cy="666916"/>
+                <a:off x="903965" y="1222978"/>
+                <a:ext cx="2873957" cy="923529"/>
               </a:xfrm>
               <a:prstGeom prst="rect">
                 <a:avLst/>
@@ -3628,12 +4064,8 @@
               <a:lstStyle/>
               <a:p>
                 <a:r>
-                  <a:rPr lang="en-US" sz="3638" dirty="0"/>
-                  <a:t>X Y </a:t>
-                </a:r>
-                <a:r>
-                  <a:rPr lang="en-US" sz="3638" dirty="0"/>
-                  <a:t>Plane</a:t>
+                  <a:rPr lang="en-US" sz="5400" dirty="0"/>
+                  <a:t>X Y Plane</a:t>
                 </a:r>
               </a:p>
             </p:txBody>
@@ -3648,7 +4080,7 @@
           <p:spPr>
             <a:xfrm>
               <a:off x="5844284" y="51355"/>
-              <a:ext cx="2897529" cy="652307"/>
+              <a:ext cx="2897529" cy="985097"/>
             </a:xfrm>
             <a:prstGeom prst="rect">
               <a:avLst/>
@@ -3665,7 +4097,7 @@
             <a:p>
               <a:pPr algn="ctr"/>
               <a:r>
-                <a:rPr lang="en-US" sz="3638" dirty="0"/>
+                <a:rPr lang="en-US" sz="5800" dirty="0"/>
                 <a:t>Y Z Plane</a:t>
               </a:r>
             </a:p>
@@ -3701,11 +4133,6 @@
                 </a:rPr>
                 <a:t>X axis</a:t>
               </a:r>
-              <a:endParaRPr lang="en-US" sz="1821" b="1" dirty="0">
-                <a:solidFill>
-                  <a:srgbClr val="E70000"/>
-                </a:solidFill>
-              </a:endParaRPr>
             </a:p>
           </p:txBody>
         </p:sp>
@@ -3871,7 +4298,7 @@
               <p:nvPr/>
             </p:nvPicPr>
             <p:blipFill>
-              <a:blip r:embed="rId6">
+              <a:blip r:embed="rId7">
                 <a:extLst>
                   <a:ext uri="{28A0092B-C50C-407E-A947-70E740481C1C}">
                     <a14:useLocalDpi xmlns:a14="http://schemas.microsoft.com/office/drawing/2010/main" val="0"/>
@@ -3950,7 +4377,6 @@
                   <a:rPr lang="en-US" sz="5820" dirty="0"/>
                   <a:t>d</a:t>
                 </a:r>
-                <a:endParaRPr lang="en-US" sz="5820" dirty="0"/>
               </a:p>
             </p:txBody>
           </p:sp>
@@ -4014,6 +4440,13 @@
   <p:clrMapOvr>
     <a:masterClrMapping/>
   </p:clrMapOvr>
+  <p:timing>
+    <p:tnLst>
+      <p:par>
+        <p:cTn id="1" dur="indefinite" restart="never" nodeType="tmRoot"/>
+      </p:par>
+    </p:tnLst>
+  </p:timing>
 </p:sld>
 </file>
 
@@ -4272,8 +4705,293 @@
   <a:extraClrSchemeLst/>
   <a:extLst>
     <a:ext uri="{05A4C25C-085E-4340-85A3-A5531E510DB2}">
-      <thm15:themeFamily xmlns:thm15="http://schemas.microsoft.com/office/thememl/2012/main" name="Office Theme" id="{62F939B6-93AF-4DB8-9C6B-D6C7DFDC589F}" vid="{4A3C46E8-61CC-4603-A589-7422A47A8E4A}"/>
+      <thm15:themeFamily xmlns="" xmlns:thm15="http://schemas.microsoft.com/office/thememl/2012/main" name="Office Theme" id="{62F939B6-93AF-4DB8-9C6B-D6C7DFDC589F}" vid="{4A3C46E8-61CC-4603-A589-7422A47A8E4A}"/>
     </a:ext>
   </a:extLst>
 </a:theme>
+</file>
+
+<file path=ppt/theme/theme2.xml><?xml version="1.0" encoding="utf-8"?>
+<a:theme xmlns:a="http://schemas.openxmlformats.org/drawingml/2006/main" name="Office Theme">
+  <a:themeElements>
+    <a:clrScheme name="Office">
+      <a:dk1>
+        <a:sysClr val="windowText" lastClr="000000"/>
+      </a:dk1>
+      <a:lt1>
+        <a:sysClr val="window" lastClr="FFFFFF"/>
+      </a:lt1>
+      <a:dk2>
+        <a:srgbClr val="1F497D"/>
+      </a:dk2>
+      <a:lt2>
+        <a:srgbClr val="EEECE1"/>
+      </a:lt2>
+      <a:accent1>
+        <a:srgbClr val="4F81BD"/>
+      </a:accent1>
+      <a:accent2>
+        <a:srgbClr val="C0504D"/>
+      </a:accent2>
+      <a:accent3>
+        <a:srgbClr val="9BBB59"/>
+      </a:accent3>
+      <a:accent4>
+        <a:srgbClr val="8064A2"/>
+      </a:accent4>
+      <a:accent5>
+        <a:srgbClr val="4BACC6"/>
+      </a:accent5>
+      <a:accent6>
+        <a:srgbClr val="F79646"/>
+      </a:accent6>
+      <a:hlink>
+        <a:srgbClr val="0000FF"/>
+      </a:hlink>
+      <a:folHlink>
+        <a:srgbClr val="800080"/>
+      </a:folHlink>
+    </a:clrScheme>
+    <a:fontScheme name="Office">
+      <a:majorFont>
+        <a:latin typeface="Calibri"/>
+        <a:ea typeface=""/>
+        <a:cs typeface=""/>
+        <a:font script="Jpan" typeface="ＭＳ Ｐゴシック"/>
+        <a:font script="Hang" typeface="맑은 고딕"/>
+        <a:font script="Hans" typeface="宋体"/>
+        <a:font script="Hant" typeface="新細明體"/>
+        <a:font script="Arab" typeface="Times New Roman"/>
+        <a:font script="Hebr" typeface="Times New Roman"/>
+        <a:font script="Thai" typeface="Angsana New"/>
+        <a:font script="Ethi" typeface="Nyala"/>
+        <a:font script="Beng" typeface="Vrinda"/>
+        <a:font script="Gujr" typeface="Shruti"/>
+        <a:font script="Khmr" typeface="MoolBoran"/>
+        <a:font script="Knda" typeface="Tunga"/>
+        <a:font script="Guru" typeface="Raavi"/>
+        <a:font script="Cans" typeface="Euphemia"/>
+        <a:font script="Cher" typeface="Plantagenet Cherokee"/>
+        <a:font script="Yiii" typeface="Microsoft Yi Baiti"/>
+        <a:font script="Tibt" typeface="Microsoft Himalaya"/>
+        <a:font script="Thaa" typeface="MV Boli"/>
+        <a:font script="Deva" typeface="Mangal"/>
+        <a:font script="Telu" typeface="Gautami"/>
+        <a:font script="Taml" typeface="Latha"/>
+        <a:font script="Syrc" typeface="Estrangelo Edessa"/>
+        <a:font script="Orya" typeface="Kalinga"/>
+        <a:font script="Mlym" typeface="Kartika"/>
+        <a:font script="Laoo" typeface="DokChampa"/>
+        <a:font script="Sinh" typeface="Iskoola Pota"/>
+        <a:font script="Mong" typeface="Mongolian Baiti"/>
+        <a:font script="Viet" typeface="Times New Roman"/>
+        <a:font script="Uigh" typeface="Microsoft Uighur"/>
+        <a:font script="Geor" typeface="Sylfaen"/>
+      </a:majorFont>
+      <a:minorFont>
+        <a:latin typeface="Calibri"/>
+        <a:ea typeface=""/>
+        <a:cs typeface=""/>
+        <a:font script="Jpan" typeface="ＭＳ Ｐゴシック"/>
+        <a:font script="Hang" typeface="맑은 고딕"/>
+        <a:font script="Hans" typeface="宋体"/>
+        <a:font script="Hant" typeface="新細明體"/>
+        <a:font script="Arab" typeface="Arial"/>
+        <a:font script="Hebr" typeface="Arial"/>
+        <a:font script="Thai" typeface="Cordia New"/>
+        <a:font script="Ethi" typeface="Nyala"/>
+        <a:font script="Beng" typeface="Vrinda"/>
+        <a:font script="Gujr" typeface="Shruti"/>
+        <a:font script="Khmr" typeface="DaunPenh"/>
+        <a:font script="Knda" typeface="Tunga"/>
+        <a:font script="Guru" typeface="Raavi"/>
+        <a:font script="Cans" typeface="Euphemia"/>
+        <a:font script="Cher" typeface="Plantagenet Cherokee"/>
+        <a:font script="Yiii" typeface="Microsoft Yi Baiti"/>
+        <a:font script="Tibt" typeface="Microsoft Himalaya"/>
+        <a:font script="Thaa" typeface="MV Boli"/>
+        <a:font script="Deva" typeface="Mangal"/>
+        <a:font script="Telu" typeface="Gautami"/>
+        <a:font script="Taml" typeface="Latha"/>
+        <a:font script="Syrc" typeface="Estrangelo Edessa"/>
+        <a:font script="Orya" typeface="Kalinga"/>
+        <a:font script="Mlym" typeface="Kartika"/>
+        <a:font script="Laoo" typeface="DokChampa"/>
+        <a:font script="Sinh" typeface="Iskoola Pota"/>
+        <a:font script="Mong" typeface="Mongolian Baiti"/>
+        <a:font script="Viet" typeface="Arial"/>
+        <a:font script="Uigh" typeface="Microsoft Uighur"/>
+        <a:font script="Geor" typeface="Sylfaen"/>
+      </a:minorFont>
+    </a:fontScheme>
+    <a:fmtScheme name="Office">
+      <a:fillStyleLst>
+        <a:solidFill>
+          <a:schemeClr val="phClr"/>
+        </a:solidFill>
+        <a:gradFill rotWithShape="1">
+          <a:gsLst>
+            <a:gs pos="0">
+              <a:schemeClr val="phClr">
+                <a:tint val="50000"/>
+                <a:satMod val="300000"/>
+              </a:schemeClr>
+            </a:gs>
+            <a:gs pos="35000">
+              <a:schemeClr val="phClr">
+                <a:tint val="37000"/>
+                <a:satMod val="300000"/>
+              </a:schemeClr>
+            </a:gs>
+            <a:gs pos="100000">
+              <a:schemeClr val="phClr">
+                <a:tint val="15000"/>
+                <a:satMod val="350000"/>
+              </a:schemeClr>
+            </a:gs>
+          </a:gsLst>
+          <a:lin ang="16200000" scaled="1"/>
+        </a:gradFill>
+        <a:gradFill rotWithShape="1">
+          <a:gsLst>
+            <a:gs pos="0">
+              <a:schemeClr val="phClr">
+                <a:shade val="51000"/>
+                <a:satMod val="130000"/>
+              </a:schemeClr>
+            </a:gs>
+            <a:gs pos="80000">
+              <a:schemeClr val="phClr">
+                <a:shade val="93000"/>
+                <a:satMod val="130000"/>
+              </a:schemeClr>
+            </a:gs>
+            <a:gs pos="100000">
+              <a:schemeClr val="phClr">
+                <a:shade val="94000"/>
+                <a:satMod val="135000"/>
+              </a:schemeClr>
+            </a:gs>
+          </a:gsLst>
+          <a:lin ang="16200000" scaled="0"/>
+        </a:gradFill>
+      </a:fillStyleLst>
+      <a:lnStyleLst>
+        <a:ln w="9525" cap="flat" cmpd="sng" algn="ctr">
+          <a:solidFill>
+            <a:schemeClr val="phClr">
+              <a:shade val="95000"/>
+              <a:satMod val="105000"/>
+            </a:schemeClr>
+          </a:solidFill>
+          <a:prstDash val="solid"/>
+        </a:ln>
+        <a:ln w="25400" cap="flat" cmpd="sng" algn="ctr">
+          <a:solidFill>
+            <a:schemeClr val="phClr"/>
+          </a:solidFill>
+          <a:prstDash val="solid"/>
+        </a:ln>
+        <a:ln w="38100" cap="flat" cmpd="sng" algn="ctr">
+          <a:solidFill>
+            <a:schemeClr val="phClr"/>
+          </a:solidFill>
+          <a:prstDash val="solid"/>
+        </a:ln>
+      </a:lnStyleLst>
+      <a:effectStyleLst>
+        <a:effectStyle>
+          <a:effectLst>
+            <a:outerShdw blurRad="40000" dist="20000" dir="5400000" rotWithShape="0">
+              <a:srgbClr val="000000">
+                <a:alpha val="38000"/>
+              </a:srgbClr>
+            </a:outerShdw>
+          </a:effectLst>
+        </a:effectStyle>
+        <a:effectStyle>
+          <a:effectLst>
+            <a:outerShdw blurRad="40000" dist="23000" dir="5400000" rotWithShape="0">
+              <a:srgbClr val="000000">
+                <a:alpha val="35000"/>
+              </a:srgbClr>
+            </a:outerShdw>
+          </a:effectLst>
+        </a:effectStyle>
+        <a:effectStyle>
+          <a:effectLst>
+            <a:outerShdw blurRad="40000" dist="23000" dir="5400000" rotWithShape="0">
+              <a:srgbClr val="000000">
+                <a:alpha val="35000"/>
+              </a:srgbClr>
+            </a:outerShdw>
+          </a:effectLst>
+          <a:scene3d>
+            <a:camera prst="orthographicFront">
+              <a:rot lat="0" lon="0" rev="0"/>
+            </a:camera>
+            <a:lightRig rig="threePt" dir="t">
+              <a:rot lat="0" lon="0" rev="1200000"/>
+            </a:lightRig>
+          </a:scene3d>
+          <a:sp3d>
+            <a:bevelT w="63500" h="25400"/>
+          </a:sp3d>
+        </a:effectStyle>
+      </a:effectStyleLst>
+      <a:bgFillStyleLst>
+        <a:solidFill>
+          <a:schemeClr val="phClr"/>
+        </a:solidFill>
+        <a:gradFill rotWithShape="1">
+          <a:gsLst>
+            <a:gs pos="0">
+              <a:schemeClr val="phClr">
+                <a:tint val="40000"/>
+                <a:satMod val="350000"/>
+              </a:schemeClr>
+            </a:gs>
+            <a:gs pos="40000">
+              <a:schemeClr val="phClr">
+                <a:tint val="45000"/>
+                <a:shade val="99000"/>
+                <a:satMod val="350000"/>
+              </a:schemeClr>
+            </a:gs>
+            <a:gs pos="100000">
+              <a:schemeClr val="phClr">
+                <a:shade val="20000"/>
+                <a:satMod val="255000"/>
+              </a:schemeClr>
+            </a:gs>
+          </a:gsLst>
+          <a:path path="circle">
+            <a:fillToRect l="50000" t="-80000" r="50000" b="180000"/>
+          </a:path>
+        </a:gradFill>
+        <a:gradFill rotWithShape="1">
+          <a:gsLst>
+            <a:gs pos="0">
+              <a:schemeClr val="phClr">
+                <a:tint val="80000"/>
+                <a:satMod val="300000"/>
+              </a:schemeClr>
+            </a:gs>
+            <a:gs pos="100000">
+              <a:schemeClr val="phClr">
+                <a:shade val="30000"/>
+                <a:satMod val="200000"/>
+              </a:schemeClr>
+            </a:gs>
+          </a:gsLst>
+          <a:path path="circle">
+            <a:fillToRect l="50000" t="50000" r="50000" b="50000"/>
+          </a:path>
+        </a:gradFill>
+      </a:bgFillStyleLst>
+    </a:fmtScheme>
+  </a:themeElements>
+  <a:objectDefaults/>
+  <a:extraClrSchemeLst/>
+</a:theme>
 </file>
--- a/images_pvis/data-char.pptx
+++ b/images_pvis/data-char.pptx
@@ -10,7 +10,7 @@
   <p:sldIdLst>
     <p:sldId id="256" r:id="rId2"/>
   </p:sldIdLst>
-  <p:sldSz cx="18288000" cy="14173200"/>
+  <p:sldSz cx="31089600" cy="6218238"/>
   <p:notesSz cx="6858000" cy="9144000"/>
   <p:defaultTextStyle>
     <a:defPPr>
@@ -192,7 +192,7 @@
           <a:p>
             <a:fld id="{664518E8-0F05-4082-AC33-2465F1DCE6FF}" type="datetimeFigureOut">
               <a:rPr lang="en-US" smtClean="0"/>
-              <a:t>9/24/2014</a:t>
+              <a:t>9/25/2014</a:t>
             </a:fld>
             <a:endParaRPr lang="en-US"/>
           </a:p>
@@ -210,8 +210,8 @@
         </p:nvSpPr>
         <p:spPr>
           <a:xfrm>
-            <a:off x="1216025" y="685800"/>
-            <a:ext cx="4425950" cy="3429000"/>
+            <a:off x="-5143500" y="685800"/>
+            <a:ext cx="17145000" cy="3429000"/>
           </a:xfrm>
           <a:prstGeom prst="rect">
             <a:avLst/>
@@ -487,7 +487,12 @@
             <p:ph type="sldImg"/>
           </p:nvPr>
         </p:nvSpPr>
-        <p:spPr/>
+        <p:spPr>
+          <a:xfrm>
+            <a:off x="-5143500" y="685800"/>
+            <a:ext cx="17145000" cy="3429000"/>
+          </a:xfrm>
+        </p:spPr>
       </p:sp>
       <p:sp>
         <p:nvSpPr>
@@ -573,8 +578,8 @@
         </p:nvSpPr>
         <p:spPr>
           <a:xfrm>
-            <a:off x="1371600" y="2319550"/>
-            <a:ext cx="15544800" cy="4934373"/>
+            <a:off x="2331723" y="1017665"/>
+            <a:ext cx="26426159" cy="2164869"/>
           </a:xfrm>
         </p:spPr>
         <p:txBody>
@@ -605,8 +610,8 @@
         </p:nvSpPr>
         <p:spPr>
           <a:xfrm>
-            <a:off x="2286000" y="7444212"/>
-            <a:ext cx="13716000" cy="3421908"/>
+            <a:off x="3886202" y="3266017"/>
+            <a:ext cx="23317201" cy="1501301"/>
           </a:xfrm>
         </p:spPr>
         <p:txBody>
@@ -675,7 +680,7 @@
           <a:p>
             <a:fld id="{D5733D75-C1E6-43FA-A4C1-CB390108D22E}" type="datetimeFigureOut">
               <a:rPr lang="en-US" smtClean="0"/>
-              <a:t>9/24/2014</a:t>
+              <a:t>9/25/2014</a:t>
             </a:fld>
             <a:endParaRPr lang="en-US"/>
           </a:p>
@@ -845,7 +850,7 @@
           <a:p>
             <a:fld id="{D5733D75-C1E6-43FA-A4C1-CB390108D22E}" type="datetimeFigureOut">
               <a:rPr lang="en-US" smtClean="0"/>
-              <a:t>9/24/2014</a:t>
+              <a:t>9/25/2014</a:t>
             </a:fld>
             <a:endParaRPr lang="en-US"/>
           </a:p>
@@ -935,8 +940,8 @@
         </p:nvSpPr>
         <p:spPr>
           <a:xfrm>
-            <a:off x="13087351" y="754592"/>
-            <a:ext cx="3943350" cy="12011132"/>
+            <a:off x="22248506" y="331065"/>
+            <a:ext cx="6703695" cy="5269669"/>
           </a:xfrm>
         </p:spPr>
         <p:txBody>
@@ -963,8 +968,8 @@
         </p:nvSpPr>
         <p:spPr>
           <a:xfrm>
-            <a:off x="1257301" y="754592"/>
-            <a:ext cx="11601450" cy="12011132"/>
+            <a:off x="2137422" y="331065"/>
+            <a:ext cx="19722465" cy="5269669"/>
           </a:xfrm>
         </p:spPr>
         <p:txBody>
@@ -1025,7 +1030,7 @@
           <a:p>
             <a:fld id="{D5733D75-C1E6-43FA-A4C1-CB390108D22E}" type="datetimeFigureOut">
               <a:rPr lang="en-US" smtClean="0"/>
-              <a:t>9/24/2014</a:t>
+              <a:t>9/25/2014</a:t>
             </a:fld>
             <a:endParaRPr lang="en-US"/>
           </a:p>
@@ -1195,7 +1200,7 @@
           <a:p>
             <a:fld id="{D5733D75-C1E6-43FA-A4C1-CB390108D22E}" type="datetimeFigureOut">
               <a:rPr lang="en-US" smtClean="0"/>
-              <a:t>9/24/2014</a:t>
+              <a:t>9/25/2014</a:t>
             </a:fld>
             <a:endParaRPr lang="en-US"/>
           </a:p>
@@ -1285,8 +1290,8 @@
         </p:nvSpPr>
         <p:spPr>
           <a:xfrm>
-            <a:off x="1247776" y="3533462"/>
-            <a:ext cx="15773400" cy="5895656"/>
+            <a:off x="2121230" y="1550246"/>
+            <a:ext cx="26814779" cy="2586614"/>
           </a:xfrm>
         </p:spPr>
         <p:txBody>
@@ -1317,8 +1322,8 @@
         </p:nvSpPr>
         <p:spPr>
           <a:xfrm>
-            <a:off x="1247776" y="9484894"/>
-            <a:ext cx="15773400" cy="3100386"/>
+            <a:off x="2121230" y="4161330"/>
+            <a:ext cx="26814779" cy="1360238"/>
           </a:xfrm>
         </p:spPr>
         <p:txBody>
@@ -1439,7 +1444,7 @@
           <a:p>
             <a:fld id="{D5733D75-C1E6-43FA-A4C1-CB390108D22E}" type="datetimeFigureOut">
               <a:rPr lang="en-US" smtClean="0"/>
-              <a:t>9/24/2014</a:t>
+              <a:t>9/25/2014</a:t>
             </a:fld>
             <a:endParaRPr lang="en-US"/>
           </a:p>
@@ -1552,8 +1557,8 @@
         </p:nvSpPr>
         <p:spPr>
           <a:xfrm>
-            <a:off x="1257300" y="3772958"/>
-            <a:ext cx="7772400" cy="8992765"/>
+            <a:off x="2137411" y="1655321"/>
+            <a:ext cx="13213080" cy="3945414"/>
           </a:xfrm>
         </p:spPr>
         <p:txBody>
@@ -1609,8 +1614,8 @@
         </p:nvSpPr>
         <p:spPr>
           <a:xfrm>
-            <a:off x="9258300" y="3772958"/>
-            <a:ext cx="7772400" cy="8992765"/>
+            <a:off x="15739112" y="1655321"/>
+            <a:ext cx="13213080" cy="3945414"/>
           </a:xfrm>
         </p:spPr>
         <p:txBody>
@@ -1671,7 +1676,7 @@
           <a:p>
             <a:fld id="{D5733D75-C1E6-43FA-A4C1-CB390108D22E}" type="datetimeFigureOut">
               <a:rPr lang="en-US" smtClean="0"/>
-              <a:t>9/24/2014</a:t>
+              <a:t>9/25/2014</a:t>
             </a:fld>
             <a:endParaRPr lang="en-US"/>
           </a:p>
@@ -1761,8 +1766,8 @@
         </p:nvSpPr>
         <p:spPr>
           <a:xfrm>
-            <a:off x="1259682" y="754595"/>
-            <a:ext cx="15773400" cy="2739497"/>
+            <a:off x="2141463" y="331067"/>
+            <a:ext cx="26814779" cy="1201905"/>
           </a:xfrm>
         </p:spPr>
         <p:txBody>
@@ -1789,8 +1794,8 @@
         </p:nvSpPr>
         <p:spPr>
           <a:xfrm>
-            <a:off x="1259684" y="3474404"/>
-            <a:ext cx="7736680" cy="1702751"/>
+            <a:off x="2141472" y="1524337"/>
+            <a:ext cx="13152357" cy="747051"/>
           </a:xfrm>
         </p:spPr>
         <p:txBody>
@@ -1854,8 +1859,8 @@
         </p:nvSpPr>
         <p:spPr>
           <a:xfrm>
-            <a:off x="1259684" y="5177155"/>
-            <a:ext cx="7736680" cy="7614815"/>
+            <a:off x="2141472" y="2271389"/>
+            <a:ext cx="13152357" cy="3340864"/>
           </a:xfrm>
         </p:spPr>
         <p:txBody>
@@ -1911,8 +1916,8 @@
         </p:nvSpPr>
         <p:spPr>
           <a:xfrm>
-            <a:off x="9258301" y="3474404"/>
-            <a:ext cx="7774782" cy="1702751"/>
+            <a:off x="15739123" y="1524337"/>
+            <a:ext cx="13217129" cy="747051"/>
           </a:xfrm>
         </p:spPr>
         <p:txBody>
@@ -1976,8 +1981,8 @@
         </p:nvSpPr>
         <p:spPr>
           <a:xfrm>
-            <a:off x="9258301" y="5177155"/>
-            <a:ext cx="7774782" cy="7614815"/>
+            <a:off x="15739123" y="2271389"/>
+            <a:ext cx="13217129" cy="3340864"/>
           </a:xfrm>
         </p:spPr>
         <p:txBody>
@@ -2038,7 +2043,7 @@
           <a:p>
             <a:fld id="{D5733D75-C1E6-43FA-A4C1-CB390108D22E}" type="datetimeFigureOut">
               <a:rPr lang="en-US" smtClean="0"/>
-              <a:t>9/24/2014</a:t>
+              <a:t>9/25/2014</a:t>
             </a:fld>
             <a:endParaRPr lang="en-US"/>
           </a:p>
@@ -2156,7 +2161,7 @@
           <a:p>
             <a:fld id="{D5733D75-C1E6-43FA-A4C1-CB390108D22E}" type="datetimeFigureOut">
               <a:rPr lang="en-US" smtClean="0"/>
-              <a:t>9/24/2014</a:t>
+              <a:t>9/25/2014</a:t>
             </a:fld>
             <a:endParaRPr lang="en-US"/>
           </a:p>
@@ -2251,7 +2256,7 @@
           <a:p>
             <a:fld id="{D5733D75-C1E6-43FA-A4C1-CB390108D22E}" type="datetimeFigureOut">
               <a:rPr lang="en-US" smtClean="0"/>
-              <a:t>9/24/2014</a:t>
+              <a:t>9/25/2014</a:t>
             </a:fld>
             <a:endParaRPr lang="en-US"/>
           </a:p>
@@ -2341,8 +2346,8 @@
         </p:nvSpPr>
         <p:spPr>
           <a:xfrm>
-            <a:off x="1259682" y="944880"/>
-            <a:ext cx="5898356" cy="3307080"/>
+            <a:off x="2141462" y="414548"/>
+            <a:ext cx="10027204" cy="1450922"/>
           </a:xfrm>
         </p:spPr>
         <p:txBody>
@@ -2373,8 +2378,8 @@
         </p:nvSpPr>
         <p:spPr>
           <a:xfrm>
-            <a:off x="7774782" y="2040682"/>
-            <a:ext cx="9258300" cy="10072158"/>
+            <a:off x="13217129" y="895316"/>
+            <a:ext cx="15739110" cy="4418979"/>
           </a:xfrm>
         </p:spPr>
         <p:txBody>
@@ -2458,8 +2463,8 @@
         </p:nvSpPr>
         <p:spPr>
           <a:xfrm>
-            <a:off x="1259682" y="4251960"/>
-            <a:ext cx="5898356" cy="7877282"/>
+            <a:off x="2141462" y="1865473"/>
+            <a:ext cx="10027204" cy="3456016"/>
           </a:xfrm>
         </p:spPr>
         <p:txBody>
@@ -2528,7 +2533,7 @@
           <a:p>
             <a:fld id="{D5733D75-C1E6-43FA-A4C1-CB390108D22E}" type="datetimeFigureOut">
               <a:rPr lang="en-US" smtClean="0"/>
-              <a:t>9/24/2014</a:t>
+              <a:t>9/25/2014</a:t>
             </a:fld>
             <a:endParaRPr lang="en-US"/>
           </a:p>
@@ -2618,8 +2623,8 @@
         </p:nvSpPr>
         <p:spPr>
           <a:xfrm>
-            <a:off x="1259682" y="944880"/>
-            <a:ext cx="5898356" cy="3307080"/>
+            <a:off x="2141462" y="414548"/>
+            <a:ext cx="10027204" cy="1450922"/>
           </a:xfrm>
         </p:spPr>
         <p:txBody>
@@ -2650,8 +2655,8 @@
         </p:nvSpPr>
         <p:spPr>
           <a:xfrm>
-            <a:off x="7774782" y="2040682"/>
-            <a:ext cx="9258300" cy="10072158"/>
+            <a:off x="13217129" y="895316"/>
+            <a:ext cx="15739110" cy="4418979"/>
           </a:xfrm>
         </p:spPr>
         <p:txBody>
@@ -2715,8 +2720,8 @@
         </p:nvSpPr>
         <p:spPr>
           <a:xfrm>
-            <a:off x="1259682" y="4251960"/>
-            <a:ext cx="5898356" cy="7877282"/>
+            <a:off x="2141462" y="1865473"/>
+            <a:ext cx="10027204" cy="3456016"/>
           </a:xfrm>
         </p:spPr>
         <p:txBody>
@@ -2785,7 +2790,7 @@
           <a:p>
             <a:fld id="{D5733D75-C1E6-43FA-A4C1-CB390108D22E}" type="datetimeFigureOut">
               <a:rPr lang="en-US" smtClean="0"/>
-              <a:t>9/24/2014</a:t>
+              <a:t>9/25/2014</a:t>
             </a:fld>
             <a:endParaRPr lang="en-US"/>
           </a:p>
@@ -2880,8 +2885,8 @@
         </p:nvSpPr>
         <p:spPr>
           <a:xfrm>
-            <a:off x="1257300" y="754595"/>
-            <a:ext cx="15773400" cy="2739497"/>
+            <a:off x="2137413" y="331067"/>
+            <a:ext cx="26814779" cy="1201905"/>
           </a:xfrm>
           <a:prstGeom prst="rect">
             <a:avLst/>
@@ -2913,8 +2918,8 @@
         </p:nvSpPr>
         <p:spPr>
           <a:xfrm>
-            <a:off x="1257300" y="3772958"/>
-            <a:ext cx="15773400" cy="8992765"/>
+            <a:off x="2137413" y="1655321"/>
+            <a:ext cx="26814779" cy="3945414"/>
           </a:xfrm>
           <a:prstGeom prst="rect">
             <a:avLst/>
@@ -2975,8 +2980,8 @@
         </p:nvSpPr>
         <p:spPr>
           <a:xfrm>
-            <a:off x="1257300" y="13136460"/>
-            <a:ext cx="4114800" cy="754592"/>
+            <a:off x="2137420" y="5763391"/>
+            <a:ext cx="6995161" cy="331063"/>
           </a:xfrm>
           <a:prstGeom prst="rect">
             <a:avLst/>
@@ -2998,7 +3003,7 @@
           <a:p>
             <a:fld id="{D5733D75-C1E6-43FA-A4C1-CB390108D22E}" type="datetimeFigureOut">
               <a:rPr lang="en-US" smtClean="0"/>
-              <a:t>9/24/2014</a:t>
+              <a:t>9/25/2014</a:t>
             </a:fld>
             <a:endParaRPr lang="en-US"/>
           </a:p>
@@ -3016,8 +3021,8 @@
         </p:nvSpPr>
         <p:spPr>
           <a:xfrm>
-            <a:off x="6057900" y="13136460"/>
-            <a:ext cx="6172200" cy="754592"/>
+            <a:off x="10298431" y="5763391"/>
+            <a:ext cx="10492740" cy="331063"/>
           </a:xfrm>
           <a:prstGeom prst="rect">
             <a:avLst/>
@@ -3053,8 +3058,8 @@
         </p:nvSpPr>
         <p:spPr>
           <a:xfrm>
-            <a:off x="12915900" y="13136460"/>
-            <a:ext cx="4114800" cy="754592"/>
+            <a:off x="21957039" y="5763391"/>
+            <a:ext cx="6995161" cy="331063"/>
           </a:xfrm>
           <a:prstGeom prst="rect">
             <a:avLst/>
@@ -3405,29 +3410,27 @@
       </p:grpSpPr>
       <p:grpSp>
         <p:nvGrpSpPr>
-          <p:cNvPr id="56" name="Group 55"/>
-          <p:cNvGrpSpPr>
-            <a:grpSpLocks noChangeAspect="1"/>
-          </p:cNvGrpSpPr>
+          <p:cNvPr id="103" name="Group 102"/>
+          <p:cNvGrpSpPr/>
           <p:nvPr/>
         </p:nvGrpSpPr>
         <p:grpSpPr>
           <a:xfrm>
-            <a:off x="279178" y="46038"/>
-            <a:ext cx="17730216" cy="14048044"/>
-            <a:chOff x="409824" y="5629"/>
-            <a:chExt cx="17734040" cy="14051074"/>
+            <a:off x="15857367" y="683860"/>
+            <a:ext cx="9002676" cy="5320658"/>
+            <a:chOff x="15899241" y="859978"/>
+            <a:chExt cx="9002676" cy="5320658"/>
           </a:xfrm>
         </p:grpSpPr>
         <p:pic>
           <p:nvPicPr>
-            <p:cNvPr id="57" name="Picture 56"/>
+            <p:cNvPr id="104" name="Picture 103"/>
             <p:cNvPicPr>
               <a:picLocks noChangeAspect="1"/>
             </p:cNvPicPr>
             <p:nvPr/>
           </p:nvPicPr>
-          <p:blipFill>
+          <p:blipFill rotWithShape="1">
             <a:blip r:embed="rId3">
               <a:extLst>
                 <a:ext uri="{28A0092B-C50C-407E-A947-70E740481C1C}">
@@ -3435,44 +3438,13 @@
                 </a:ext>
               </a:extLst>
             </a:blip>
-            <a:stretch>
-              <a:fillRect/>
-            </a:stretch>
-          </p:blipFill>
-          <p:spPr>
-            <a:xfrm>
-              <a:off x="919839" y="652991"/>
-              <a:ext cx="8890578" cy="7875014"/>
-            </a:xfrm>
-            <a:prstGeom prst="rect">
-              <a:avLst/>
-            </a:prstGeom>
-          </p:spPr>
-        </p:pic>
-        <p:pic>
-          <p:nvPicPr>
-            <p:cNvPr id="58" name="Picture 57"/>
-            <p:cNvPicPr>
-              <a:picLocks noChangeAspect="1"/>
-            </p:cNvPicPr>
-            <p:nvPr/>
-          </p:nvPicPr>
-          <p:blipFill>
-            <a:blip r:embed="rId4">
-              <a:extLst>
-                <a:ext uri="{28A0092B-C50C-407E-A947-70E740481C1C}">
-                  <a14:useLocalDpi xmlns:a14="http://schemas.microsoft.com/office/drawing/2010/main" val="0"/>
-                </a:ext>
-              </a:extLst>
-            </a:blip>
-            <a:stretch>
-              <a:fillRect/>
-            </a:stretch>
+            <a:srcRect l="2100" t="2538" r="1736" b="1907"/>
+            <a:stretch/>
           </p:blipFill>
           <p:spPr>
             <a:xfrm rot="5400000">
-              <a:off x="10954272" y="6867111"/>
-              <a:ext cx="5320077" cy="9059106"/>
+              <a:off x="17740250" y="-981031"/>
+              <a:ext cx="5320658" cy="9002676"/>
             </a:xfrm>
             <a:prstGeom prst="rect">
               <a:avLst/>
@@ -3481,909 +3453,13 @@
               <a:solidFill>
                 <a:srgbClr val="66C2A4"/>
               </a:solidFill>
+              <a:miter lim="800000"/>
             </a:ln>
           </p:spPr>
         </p:pic>
-        <p:pic>
-          <p:nvPicPr>
-            <p:cNvPr id="59" name="Picture 58"/>
-            <p:cNvPicPr>
-              <a:picLocks noChangeAspect="1"/>
-            </p:cNvPicPr>
-            <p:nvPr/>
-          </p:nvPicPr>
-          <p:blipFill>
-            <a:blip r:embed="rId5">
-              <a:extLst>
-                <a:ext uri="{28A0092B-C50C-407E-A947-70E740481C1C}">
-                  <a14:useLocalDpi xmlns:a14="http://schemas.microsoft.com/office/drawing/2010/main" val="0"/>
-                </a:ext>
-              </a:extLst>
-            </a:blip>
-            <a:stretch>
-              <a:fillRect/>
-            </a:stretch>
-          </p:blipFill>
-          <p:spPr>
-            <a:xfrm flipV="1">
-              <a:off x="409824" y="8734895"/>
-              <a:ext cx="8225577" cy="5321808"/>
-            </a:xfrm>
-            <a:prstGeom prst="rect">
-              <a:avLst/>
-            </a:prstGeom>
-            <a:ln w="127000">
-              <a:solidFill>
-                <a:srgbClr val="B2E2E2"/>
-              </a:solidFill>
-            </a:ln>
-          </p:spPr>
-        </p:pic>
-        <p:pic>
-          <p:nvPicPr>
-            <p:cNvPr id="60" name="Picture 59"/>
-            <p:cNvPicPr>
-              <a:picLocks noChangeAspect="1"/>
-            </p:cNvPicPr>
-            <p:nvPr/>
-          </p:nvPicPr>
-          <p:blipFill>
-            <a:blip r:embed="rId6">
-              <a:extLst>
-                <a:ext uri="{28A0092B-C50C-407E-A947-70E740481C1C}">
-                  <a14:useLocalDpi xmlns:a14="http://schemas.microsoft.com/office/drawing/2010/main" val="0"/>
-                </a:ext>
-              </a:extLst>
-            </a:blip>
-            <a:stretch>
-              <a:fillRect/>
-            </a:stretch>
-          </p:blipFill>
-          <p:spPr>
-            <a:xfrm rot="236619">
-              <a:off x="5272262" y="4428300"/>
-              <a:ext cx="3537436" cy="3468439"/>
-            </a:xfrm>
-            <a:prstGeom prst="rect">
-              <a:avLst/>
-            </a:prstGeom>
-          </p:spPr>
-        </p:pic>
-        <p:grpSp>
-          <p:nvGrpSpPr>
-            <p:cNvPr id="61" name="Group 60"/>
-            <p:cNvGrpSpPr/>
-            <p:nvPr/>
-          </p:nvGrpSpPr>
-          <p:grpSpPr>
-            <a:xfrm>
-              <a:off x="3492572" y="896180"/>
-              <a:ext cx="3367749" cy="7556403"/>
-              <a:chOff x="3492572" y="896180"/>
-              <a:chExt cx="3367749" cy="7556403"/>
-            </a:xfrm>
-          </p:grpSpPr>
-          <p:cxnSp>
-            <p:nvCxnSpPr>
-              <p:cNvPr id="78" name="Straight Connector 77"/>
-              <p:cNvCxnSpPr/>
-              <p:nvPr/>
-            </p:nvCxnSpPr>
-            <p:spPr>
-              <a:xfrm flipV="1">
-                <a:off x="3519755" y="896181"/>
-                <a:ext cx="3328200" cy="4564373"/>
-              </a:xfrm>
-              <a:prstGeom prst="line">
-                <a:avLst/>
-              </a:prstGeom>
-              <a:ln w="127000" cap="rnd">
-                <a:solidFill>
-                  <a:srgbClr val="66C2A4"/>
-                </a:solidFill>
-                <a:round/>
-              </a:ln>
-            </p:spPr>
-            <p:style>
-              <a:lnRef idx="1">
-                <a:schemeClr val="accent1"/>
-              </a:lnRef>
-              <a:fillRef idx="0">
-                <a:schemeClr val="accent1"/>
-              </a:fillRef>
-              <a:effectRef idx="0">
-                <a:schemeClr val="accent1"/>
-              </a:effectRef>
-              <a:fontRef idx="minor">
-                <a:schemeClr val="tx1"/>
-              </a:fontRef>
-            </p:style>
-          </p:cxnSp>
-          <p:cxnSp>
-            <p:nvCxnSpPr>
-              <p:cNvPr id="79" name="Straight Connector 78"/>
-              <p:cNvCxnSpPr/>
-              <p:nvPr/>
-            </p:nvCxnSpPr>
-            <p:spPr>
-              <a:xfrm flipV="1">
-                <a:off x="3492572" y="5460554"/>
-                <a:ext cx="42438" cy="2992029"/>
-              </a:xfrm>
-              <a:prstGeom prst="line">
-                <a:avLst/>
-              </a:prstGeom>
-              <a:ln w="127000" cap="rnd">
-                <a:solidFill>
-                  <a:srgbClr val="66C2A4"/>
-                </a:solidFill>
-                <a:round/>
-              </a:ln>
-            </p:spPr>
-            <p:style>
-              <a:lnRef idx="1">
-                <a:schemeClr val="accent1"/>
-              </a:lnRef>
-              <a:fillRef idx="0">
-                <a:schemeClr val="accent1"/>
-              </a:fillRef>
-              <a:effectRef idx="0">
-                <a:schemeClr val="accent1"/>
-              </a:effectRef>
-              <a:fontRef idx="minor">
-                <a:schemeClr val="tx1"/>
-              </a:fontRef>
-            </p:style>
-          </p:cxnSp>
-          <p:cxnSp>
-            <p:nvCxnSpPr>
-              <p:cNvPr id="80" name="Straight Connector 79"/>
-              <p:cNvCxnSpPr/>
-              <p:nvPr/>
-            </p:nvCxnSpPr>
-            <p:spPr>
-              <a:xfrm flipH="1" flipV="1">
-                <a:off x="6847955" y="896180"/>
-                <a:ext cx="12366" cy="585743"/>
-              </a:xfrm>
-              <a:prstGeom prst="line">
-                <a:avLst/>
-              </a:prstGeom>
-              <a:ln w="127000" cap="rnd">
-                <a:solidFill>
-                  <a:srgbClr val="66C2A4"/>
-                </a:solidFill>
-                <a:round/>
-              </a:ln>
-            </p:spPr>
-            <p:style>
-              <a:lnRef idx="1">
-                <a:schemeClr val="accent1"/>
-              </a:lnRef>
-              <a:fillRef idx="0">
-                <a:schemeClr val="accent1"/>
-              </a:fillRef>
-              <a:effectRef idx="0">
-                <a:schemeClr val="accent1"/>
-              </a:effectRef>
-              <a:fontRef idx="minor">
-                <a:schemeClr val="tx1"/>
-              </a:fontRef>
-            </p:style>
-          </p:cxnSp>
-          <p:cxnSp>
-            <p:nvCxnSpPr>
-              <p:cNvPr id="81" name="Straight Connector 80"/>
-              <p:cNvCxnSpPr/>
-              <p:nvPr/>
-            </p:nvCxnSpPr>
-            <p:spPr>
-              <a:xfrm flipV="1">
-                <a:off x="3492572" y="7817615"/>
-                <a:ext cx="396840" cy="634968"/>
-              </a:xfrm>
-              <a:prstGeom prst="line">
-                <a:avLst/>
-              </a:prstGeom>
-              <a:ln w="127000" cap="rnd">
-                <a:solidFill>
-                  <a:srgbClr val="66C2A4"/>
-                </a:solidFill>
-                <a:round/>
-              </a:ln>
-            </p:spPr>
-            <p:style>
-              <a:lnRef idx="1">
-                <a:schemeClr val="accent1"/>
-              </a:lnRef>
-              <a:fillRef idx="0">
-                <a:schemeClr val="accent1"/>
-              </a:fillRef>
-              <a:effectRef idx="0">
-                <a:schemeClr val="accent1"/>
-              </a:effectRef>
-              <a:fontRef idx="minor">
-                <a:schemeClr val="tx1"/>
-              </a:fontRef>
-            </p:style>
-          </p:cxnSp>
-        </p:grpSp>
         <p:sp>
           <p:nvSpPr>
-            <p:cNvPr id="62" name="Teardrop 61"/>
-            <p:cNvSpPr>
-              <a:spLocks noChangeAspect="1"/>
-            </p:cNvSpPr>
-            <p:nvPr/>
-          </p:nvSpPr>
-          <p:spPr>
-            <a:xfrm rot="5400000">
-              <a:off x="1592467" y="-17286"/>
-              <a:ext cx="1114016" cy="1159847"/>
-            </a:xfrm>
-            <a:prstGeom prst="teardrop">
-              <a:avLst/>
-            </a:prstGeom>
-            <a:solidFill>
-              <a:srgbClr val="238B45"/>
-            </a:solidFill>
-            <a:ln>
-              <a:solidFill>
-                <a:schemeClr val="accent1">
-                  <a:shade val="50000"/>
-                  <a:alpha val="19000"/>
-                </a:schemeClr>
-              </a:solidFill>
-            </a:ln>
-          </p:spPr>
-          <p:style>
-            <a:lnRef idx="2">
-              <a:schemeClr val="accent1">
-                <a:shade val="50000"/>
-              </a:schemeClr>
-            </a:lnRef>
-            <a:fillRef idx="1">
-              <a:schemeClr val="accent1"/>
-            </a:fillRef>
-            <a:effectRef idx="0">
-              <a:schemeClr val="accent1"/>
-            </a:effectRef>
-            <a:fontRef idx="minor">
-              <a:schemeClr val="lt1"/>
-            </a:fontRef>
-          </p:style>
-          <p:txBody>
-            <a:bodyPr vert="vert270" rtlCol="0" anchor="ctr"/>
-            <a:lstStyle/>
-            <a:p>
-              <a:pPr algn="ctr"/>
-              <a:r>
-                <a:rPr lang="en-US" sz="5820" dirty="0" smtClean="0"/>
-                <a:t>a</a:t>
-              </a:r>
-              <a:endParaRPr lang="en-US" sz="5820" dirty="0"/>
-            </a:p>
-          </p:txBody>
-        </p:sp>
-        <p:sp>
-          <p:nvSpPr>
-            <p:cNvPr id="63" name="Teardrop 62"/>
-            <p:cNvSpPr>
-              <a:spLocks noChangeAspect="1"/>
-            </p:cNvSpPr>
-            <p:nvPr/>
-          </p:nvSpPr>
-          <p:spPr>
-            <a:xfrm rot="5400000">
-              <a:off x="1592467" y="7940611"/>
-              <a:ext cx="1114016" cy="1159847"/>
-            </a:xfrm>
-            <a:prstGeom prst="teardrop">
-              <a:avLst/>
-            </a:prstGeom>
-            <a:solidFill>
-              <a:srgbClr val="238B45"/>
-            </a:solidFill>
-            <a:ln>
-              <a:solidFill>
-                <a:schemeClr val="accent1">
-                  <a:shade val="50000"/>
-                  <a:alpha val="19000"/>
-                </a:schemeClr>
-              </a:solidFill>
-            </a:ln>
-          </p:spPr>
-          <p:style>
-            <a:lnRef idx="2">
-              <a:schemeClr val="accent1">
-                <a:shade val="50000"/>
-              </a:schemeClr>
-            </a:lnRef>
-            <a:fillRef idx="1">
-              <a:schemeClr val="accent1"/>
-            </a:fillRef>
-            <a:effectRef idx="0">
-              <a:schemeClr val="accent1"/>
-            </a:effectRef>
-            <a:fontRef idx="minor">
-              <a:schemeClr val="lt1"/>
-            </a:fontRef>
-          </p:style>
-          <p:txBody>
-            <a:bodyPr vert="vert270" rtlCol="0" anchor="ctr"/>
-            <a:lstStyle/>
-            <a:p>
-              <a:pPr algn="ctr"/>
-              <a:r>
-                <a:rPr lang="en-US" sz="5820" dirty="0"/>
-                <a:t>b</a:t>
-              </a:r>
-            </a:p>
-          </p:txBody>
-        </p:sp>
-        <p:sp>
-          <p:nvSpPr>
-            <p:cNvPr id="64" name="Teardrop 63"/>
-            <p:cNvSpPr>
-              <a:spLocks noChangeAspect="1"/>
-            </p:cNvSpPr>
-            <p:nvPr/>
-          </p:nvSpPr>
-          <p:spPr>
-            <a:xfrm rot="5400000">
-              <a:off x="9689514" y="7948082"/>
-              <a:ext cx="1114016" cy="1159847"/>
-            </a:xfrm>
-            <a:prstGeom prst="teardrop">
-              <a:avLst/>
-            </a:prstGeom>
-            <a:solidFill>
-              <a:srgbClr val="238B45"/>
-            </a:solidFill>
-            <a:ln>
-              <a:solidFill>
-                <a:schemeClr val="accent1">
-                  <a:shade val="50000"/>
-                  <a:alpha val="19000"/>
-                </a:schemeClr>
-              </a:solidFill>
-            </a:ln>
-          </p:spPr>
-          <p:style>
-            <a:lnRef idx="2">
-              <a:schemeClr val="accent1">
-                <a:shade val="50000"/>
-              </a:schemeClr>
-            </a:lnRef>
-            <a:fillRef idx="1">
-              <a:schemeClr val="accent1"/>
-            </a:fillRef>
-            <a:effectRef idx="0">
-              <a:schemeClr val="accent1"/>
-            </a:effectRef>
-            <a:fontRef idx="minor">
-              <a:schemeClr val="lt1"/>
-            </a:fontRef>
-          </p:style>
-          <p:txBody>
-            <a:bodyPr vert="vert270" rtlCol="0" anchor="ctr"/>
-            <a:lstStyle/>
-            <a:p>
-              <a:pPr algn="ctr"/>
-              <a:r>
-                <a:rPr lang="en-US" sz="5820" dirty="0"/>
-                <a:t>c</a:t>
-              </a:r>
-            </a:p>
-          </p:txBody>
-        </p:sp>
-        <p:grpSp>
-          <p:nvGrpSpPr>
-            <p:cNvPr id="65" name="Group 64"/>
-            <p:cNvGrpSpPr/>
-            <p:nvPr/>
-          </p:nvGrpSpPr>
-          <p:grpSpPr>
-            <a:xfrm>
-              <a:off x="903965" y="1222978"/>
-              <a:ext cx="8658348" cy="5908060"/>
-              <a:chOff x="903965" y="1222978"/>
-              <a:chExt cx="8658348" cy="5908060"/>
-            </a:xfrm>
-          </p:grpSpPr>
-          <p:cxnSp>
-            <p:nvCxnSpPr>
-              <p:cNvPr id="73" name="Straight Connector 72"/>
-              <p:cNvCxnSpPr/>
-              <p:nvPr/>
-            </p:nvCxnSpPr>
-            <p:spPr>
-              <a:xfrm flipH="1">
-                <a:off x="9389924" y="3525075"/>
-                <a:ext cx="172389" cy="3605963"/>
-              </a:xfrm>
-              <a:prstGeom prst="line">
-                <a:avLst/>
-              </a:prstGeom>
-              <a:ln w="127000" cap="rnd">
-                <a:solidFill>
-                  <a:srgbClr val="B2E2E2"/>
-                </a:solidFill>
-                <a:round/>
-              </a:ln>
-            </p:spPr>
-            <p:style>
-              <a:lnRef idx="1">
-                <a:schemeClr val="accent1"/>
-              </a:lnRef>
-              <a:fillRef idx="0">
-                <a:schemeClr val="accent1"/>
-              </a:fillRef>
-              <a:effectRef idx="0">
-                <a:schemeClr val="accent1"/>
-              </a:effectRef>
-              <a:fontRef idx="minor">
-                <a:schemeClr val="tx1"/>
-              </a:fontRef>
-            </p:style>
-          </p:cxnSp>
-          <p:cxnSp>
-            <p:nvCxnSpPr>
-              <p:cNvPr id="74" name="Straight Connector 73"/>
-              <p:cNvCxnSpPr/>
-              <p:nvPr/>
-            </p:nvCxnSpPr>
-            <p:spPr>
-              <a:xfrm>
-                <a:off x="2374677" y="2312986"/>
-                <a:ext cx="7187636" cy="1212089"/>
-              </a:xfrm>
-              <a:prstGeom prst="line">
-                <a:avLst/>
-              </a:prstGeom>
-              <a:ln w="127000" cap="rnd">
-                <a:solidFill>
-                  <a:srgbClr val="B2E2E2"/>
-                </a:solidFill>
-                <a:round/>
-              </a:ln>
-            </p:spPr>
-            <p:style>
-              <a:lnRef idx="1">
-                <a:schemeClr val="accent1"/>
-              </a:lnRef>
-              <a:fillRef idx="0">
-                <a:schemeClr val="accent1"/>
-              </a:fillRef>
-              <a:effectRef idx="0">
-                <a:schemeClr val="accent1"/>
-              </a:effectRef>
-              <a:fontRef idx="minor">
-                <a:schemeClr val="tx1"/>
-              </a:fontRef>
-            </p:style>
-          </p:cxnSp>
-          <p:cxnSp>
-            <p:nvCxnSpPr>
-              <p:cNvPr id="75" name="Straight Connector 74"/>
-              <p:cNvCxnSpPr/>
-              <p:nvPr/>
-            </p:nvCxnSpPr>
-            <p:spPr>
-              <a:xfrm>
-                <a:off x="2374677" y="2312986"/>
-                <a:ext cx="45165" cy="1858124"/>
-              </a:xfrm>
-              <a:prstGeom prst="line">
-                <a:avLst/>
-              </a:prstGeom>
-              <a:ln w="127000" cap="rnd">
-                <a:solidFill>
-                  <a:srgbClr val="B2E2E2"/>
-                </a:solidFill>
-                <a:round/>
-              </a:ln>
-            </p:spPr>
-            <p:style>
-              <a:lnRef idx="1">
-                <a:schemeClr val="accent1"/>
-              </a:lnRef>
-              <a:fillRef idx="0">
-                <a:schemeClr val="accent1"/>
-              </a:fillRef>
-              <a:effectRef idx="0">
-                <a:schemeClr val="accent1"/>
-              </a:effectRef>
-              <a:fontRef idx="minor">
-                <a:schemeClr val="tx1"/>
-              </a:fontRef>
-            </p:style>
-          </p:cxnSp>
-          <p:cxnSp>
-            <p:nvCxnSpPr>
-              <p:cNvPr id="76" name="Straight Connector 75"/>
-              <p:cNvCxnSpPr/>
-              <p:nvPr/>
-            </p:nvCxnSpPr>
-            <p:spPr>
-              <a:xfrm flipH="1" flipV="1">
-                <a:off x="8029753" y="6818843"/>
-                <a:ext cx="1360171" cy="312195"/>
-              </a:xfrm>
-              <a:prstGeom prst="line">
-                <a:avLst/>
-              </a:prstGeom>
-              <a:ln w="127000" cap="rnd">
-                <a:solidFill>
-                  <a:srgbClr val="B2E2E2"/>
-                </a:solidFill>
-                <a:round/>
-              </a:ln>
-            </p:spPr>
-            <p:style>
-              <a:lnRef idx="1">
-                <a:schemeClr val="accent1"/>
-              </a:lnRef>
-              <a:fillRef idx="0">
-                <a:schemeClr val="accent1"/>
-              </a:fillRef>
-              <a:effectRef idx="0">
-                <a:schemeClr val="accent1"/>
-              </a:effectRef>
-              <a:fontRef idx="minor">
-                <a:schemeClr val="tx1"/>
-              </a:fontRef>
-            </p:style>
-          </p:cxnSp>
-          <p:sp>
-            <p:nvSpPr>
-              <p:cNvPr id="77" name="TextBox 76"/>
-              <p:cNvSpPr txBox="1"/>
-              <p:nvPr/>
-            </p:nvSpPr>
-            <p:spPr>
-              <a:xfrm rot="585327">
-                <a:off x="903965" y="1222978"/>
-                <a:ext cx="2873957" cy="923529"/>
-              </a:xfrm>
-              <a:prstGeom prst="rect">
-                <a:avLst/>
-              </a:prstGeom>
-              <a:solidFill>
-                <a:srgbClr val="B2E2E2"/>
-              </a:solidFill>
-              <a:ln cap="rnd">
-                <a:noFill/>
-                <a:round/>
-              </a:ln>
-            </p:spPr>
-            <p:txBody>
-              <a:bodyPr wrap="square" rtlCol="0">
-                <a:spAutoFit/>
-              </a:bodyPr>
-              <a:lstStyle/>
-              <a:p>
-                <a:r>
-                  <a:rPr lang="en-US" sz="5400" dirty="0"/>
-                  <a:t>X Y Plane</a:t>
-                </a:r>
-              </a:p>
-            </p:txBody>
-          </p:sp>
-        </p:grpSp>
-        <p:sp>
-          <p:nvSpPr>
-            <p:cNvPr id="66" name="TextBox 65"/>
-            <p:cNvSpPr txBox="1"/>
-            <p:nvPr/>
-          </p:nvSpPr>
-          <p:spPr>
-            <a:xfrm>
-              <a:off x="5844284" y="51355"/>
-              <a:ext cx="2897529" cy="985097"/>
-            </a:xfrm>
-            <a:prstGeom prst="rect">
-              <a:avLst/>
-            </a:prstGeom>
-            <a:solidFill>
-              <a:srgbClr val="66C2A4"/>
-            </a:solidFill>
-          </p:spPr>
-          <p:txBody>
-            <a:bodyPr wrap="square" rtlCol="0">
-              <a:spAutoFit/>
-            </a:bodyPr>
-            <a:lstStyle/>
-            <a:p>
-              <a:pPr algn="ctr"/>
-              <a:r>
-                <a:rPr lang="en-US" sz="5800" dirty="0"/>
-                <a:t>Y Z Plane</a:t>
-              </a:r>
-            </a:p>
-          </p:txBody>
-        </p:sp>
-        <p:sp>
-          <p:nvSpPr>
-            <p:cNvPr id="67" name="TextBox 66"/>
-            <p:cNvSpPr txBox="1"/>
-            <p:nvPr/>
-          </p:nvSpPr>
-          <p:spPr>
-            <a:xfrm rot="1162722">
-              <a:off x="6804829" y="5971032"/>
-              <a:ext cx="1721967" cy="372618"/>
-            </a:xfrm>
-            <a:prstGeom prst="rect">
-              <a:avLst/>
-            </a:prstGeom>
-            <a:noFill/>
-          </p:spPr>
-          <p:txBody>
-            <a:bodyPr wrap="square" rtlCol="0">
-              <a:spAutoFit/>
-            </a:bodyPr>
-            <a:lstStyle/>
-            <a:p>
-              <a:r>
-                <a:rPr lang="en-US" sz="1821" b="1" dirty="0">
-                  <a:solidFill>
-                    <a:srgbClr val="E70000"/>
-                  </a:solidFill>
-                </a:rPr>
-                <a:t>X axis</a:t>
-              </a:r>
-            </a:p>
-          </p:txBody>
-        </p:sp>
-        <p:grpSp>
-          <p:nvGrpSpPr>
-            <p:cNvPr id="68" name="Group 67"/>
-            <p:cNvGrpSpPr/>
-            <p:nvPr/>
-          </p:nvGrpSpPr>
-          <p:grpSpPr>
-            <a:xfrm>
-              <a:off x="9666598" y="5629"/>
-              <a:ext cx="7304571" cy="10099191"/>
-              <a:chOff x="9666598" y="413283"/>
-              <a:chExt cx="7304571" cy="10099191"/>
-            </a:xfrm>
-          </p:grpSpPr>
-          <p:sp>
-            <p:nvSpPr>
-              <p:cNvPr id="70" name="Freeform 69"/>
-              <p:cNvSpPr/>
-              <p:nvPr/>
-            </p:nvSpPr>
-            <p:spPr>
-              <a:xfrm>
-                <a:off x="10232230" y="7719782"/>
-                <a:ext cx="6738939" cy="2792692"/>
-              </a:xfrm>
-              <a:custGeom>
-                <a:avLst/>
-                <a:gdLst>
-                  <a:gd name="connsiteX0" fmla="*/ 2995863 w 6689558"/>
-                  <a:gd name="connsiteY0" fmla="*/ 2454442 h 2478505"/>
-                  <a:gd name="connsiteX1" fmla="*/ 0 w 6689558"/>
-                  <a:gd name="connsiteY1" fmla="*/ 0 h 2478505"/>
-                  <a:gd name="connsiteX2" fmla="*/ 6689558 w 6689558"/>
-                  <a:gd name="connsiteY2" fmla="*/ 0 h 2478505"/>
-                  <a:gd name="connsiteX3" fmla="*/ 3922294 w 6689558"/>
-                  <a:gd name="connsiteY3" fmla="*/ 2478505 h 2478505"/>
-                  <a:gd name="connsiteX4" fmla="*/ 2995863 w 6689558"/>
-                  <a:gd name="connsiteY4" fmla="*/ 2454442 h 2478505"/>
-                  <a:gd name="connsiteX0" fmla="*/ 2939132 w 6689558"/>
-                  <a:gd name="connsiteY0" fmla="*/ 2464341 h 2478505"/>
-                  <a:gd name="connsiteX1" fmla="*/ 0 w 6689558"/>
-                  <a:gd name="connsiteY1" fmla="*/ 0 h 2478505"/>
-                  <a:gd name="connsiteX2" fmla="*/ 6689558 w 6689558"/>
-                  <a:gd name="connsiteY2" fmla="*/ 0 h 2478505"/>
-                  <a:gd name="connsiteX3" fmla="*/ 3922294 w 6689558"/>
-                  <a:gd name="connsiteY3" fmla="*/ 2478505 h 2478505"/>
-                  <a:gd name="connsiteX4" fmla="*/ 2939132 w 6689558"/>
-                  <a:gd name="connsiteY4" fmla="*/ 2464341 h 2478505"/>
-                  <a:gd name="connsiteX0" fmla="*/ 2891856 w 6689558"/>
-                  <a:gd name="connsiteY0" fmla="*/ 2414849 h 2478505"/>
-                  <a:gd name="connsiteX1" fmla="*/ 0 w 6689558"/>
-                  <a:gd name="connsiteY1" fmla="*/ 0 h 2478505"/>
-                  <a:gd name="connsiteX2" fmla="*/ 6689558 w 6689558"/>
-                  <a:gd name="connsiteY2" fmla="*/ 0 h 2478505"/>
-                  <a:gd name="connsiteX3" fmla="*/ 3922294 w 6689558"/>
-                  <a:gd name="connsiteY3" fmla="*/ 2478505 h 2478505"/>
-                  <a:gd name="connsiteX4" fmla="*/ 2891856 w 6689558"/>
-                  <a:gd name="connsiteY4" fmla="*/ 2414849 h 2478505"/>
-                  <a:gd name="connsiteX0" fmla="*/ 2901311 w 6689558"/>
-                  <a:gd name="connsiteY0" fmla="*/ 2419798 h 2478505"/>
-                  <a:gd name="connsiteX1" fmla="*/ 0 w 6689558"/>
-                  <a:gd name="connsiteY1" fmla="*/ 0 h 2478505"/>
-                  <a:gd name="connsiteX2" fmla="*/ 6689558 w 6689558"/>
-                  <a:gd name="connsiteY2" fmla="*/ 0 h 2478505"/>
-                  <a:gd name="connsiteX3" fmla="*/ 3922294 w 6689558"/>
-                  <a:gd name="connsiteY3" fmla="*/ 2478505 h 2478505"/>
-                  <a:gd name="connsiteX4" fmla="*/ 2901311 w 6689558"/>
-                  <a:gd name="connsiteY4" fmla="*/ 2419798 h 2478505"/>
-                  <a:gd name="connsiteX0" fmla="*/ 2901311 w 6689558"/>
-                  <a:gd name="connsiteY0" fmla="*/ 2419798 h 2421590"/>
-                  <a:gd name="connsiteX1" fmla="*/ 0 w 6689558"/>
-                  <a:gd name="connsiteY1" fmla="*/ 0 h 2421590"/>
-                  <a:gd name="connsiteX2" fmla="*/ 6689558 w 6689558"/>
-                  <a:gd name="connsiteY2" fmla="*/ 0 h 2421590"/>
-                  <a:gd name="connsiteX3" fmla="*/ 3922294 w 6689558"/>
-                  <a:gd name="connsiteY3" fmla="*/ 2421590 h 2421590"/>
-                  <a:gd name="connsiteX4" fmla="*/ 2901311 w 6689558"/>
-                  <a:gd name="connsiteY4" fmla="*/ 2419798 h 2421590"/>
-                </a:gdLst>
-                <a:ahLst/>
-                <a:cxnLst>
-                  <a:cxn ang="0">
-                    <a:pos x="connsiteX0" y="connsiteY0"/>
-                  </a:cxn>
-                  <a:cxn ang="0">
-                    <a:pos x="connsiteX1" y="connsiteY1"/>
-                  </a:cxn>
-                  <a:cxn ang="0">
-                    <a:pos x="connsiteX2" y="connsiteY2"/>
-                  </a:cxn>
-                  <a:cxn ang="0">
-                    <a:pos x="connsiteX3" y="connsiteY3"/>
-                  </a:cxn>
-                  <a:cxn ang="0">
-                    <a:pos x="connsiteX4" y="connsiteY4"/>
-                  </a:cxn>
-                </a:cxnLst>
-                <a:rect l="l" t="t" r="r" b="b"/>
-                <a:pathLst>
-                  <a:path w="6689558" h="2421590">
-                    <a:moveTo>
-                      <a:pt x="2901311" y="2419798"/>
-                    </a:moveTo>
-                    <a:lnTo>
-                      <a:pt x="0" y="0"/>
-                    </a:lnTo>
-                    <a:lnTo>
-                      <a:pt x="6689558" y="0"/>
-                    </a:lnTo>
-                    <a:lnTo>
-                      <a:pt x="3922294" y="2421590"/>
-                    </a:lnTo>
-                    <a:lnTo>
-                      <a:pt x="2901311" y="2419798"/>
-                    </a:lnTo>
-                    <a:close/>
-                  </a:path>
-                </a:pathLst>
-              </a:custGeom>
-              <a:solidFill>
-                <a:srgbClr val="66C2A4">
-                  <a:alpha val="50000"/>
-                </a:srgbClr>
-              </a:solidFill>
-              <a:ln>
-                <a:noFill/>
-              </a:ln>
-            </p:spPr>
-            <p:style>
-              <a:lnRef idx="2">
-                <a:schemeClr val="accent1">
-                  <a:shade val="50000"/>
-                </a:schemeClr>
-              </a:lnRef>
-              <a:fillRef idx="1">
-                <a:schemeClr val="accent1"/>
-              </a:fillRef>
-              <a:effectRef idx="0">
-                <a:schemeClr val="accent1"/>
-              </a:effectRef>
-              <a:fontRef idx="minor">
-                <a:schemeClr val="lt1"/>
-              </a:fontRef>
-            </p:style>
-            <p:txBody>
-              <a:bodyPr rtlCol="0" anchor="ctr"/>
-              <a:lstStyle/>
-              <a:p>
-                <a:pPr algn="ctr"/>
-                <a:endParaRPr lang="en-US" sz="1821"/>
-              </a:p>
-            </p:txBody>
-          </p:sp>
-          <p:pic>
-            <p:nvPicPr>
-              <p:cNvPr id="71" name="Picture 70"/>
-              <p:cNvPicPr>
-                <a:picLocks noChangeAspect="1"/>
-              </p:cNvPicPr>
-              <p:nvPr/>
-            </p:nvPicPr>
-            <p:blipFill>
-              <a:blip r:embed="rId7">
-                <a:extLst>
-                  <a:ext uri="{28A0092B-C50C-407E-A947-70E740481C1C}">
-                    <a14:useLocalDpi xmlns:a14="http://schemas.microsoft.com/office/drawing/2010/main" val="0"/>
-                  </a:ext>
-                </a:extLst>
-              </a:blip>
-              <a:stretch>
-                <a:fillRect/>
-              </a:stretch>
-            </p:blipFill>
-            <p:spPr>
-              <a:xfrm rot="5400000">
-                <a:off x="10402578" y="1113252"/>
-                <a:ext cx="6400800" cy="6577900"/>
-              </a:xfrm>
-              <a:prstGeom prst="rect">
-                <a:avLst/>
-              </a:prstGeom>
-              <a:ln w="127000">
-                <a:solidFill>
-                  <a:srgbClr val="238B45"/>
-                </a:solidFill>
-              </a:ln>
-            </p:spPr>
-          </p:pic>
-          <p:sp>
-            <p:nvSpPr>
-              <p:cNvPr id="72" name="Teardrop 71"/>
-              <p:cNvSpPr>
-                <a:spLocks noChangeAspect="1"/>
-              </p:cNvSpPr>
-              <p:nvPr/>
-            </p:nvSpPr>
-            <p:spPr>
-              <a:xfrm rot="5400000">
-                <a:off x="9689514" y="390367"/>
-                <a:ext cx="1114016" cy="1159847"/>
-              </a:xfrm>
-              <a:prstGeom prst="teardrop">
-                <a:avLst/>
-              </a:prstGeom>
-              <a:solidFill>
-                <a:srgbClr val="238B45"/>
-              </a:solidFill>
-              <a:ln>
-                <a:solidFill>
-                  <a:schemeClr val="accent1">
-                    <a:shade val="50000"/>
-                    <a:alpha val="19000"/>
-                  </a:schemeClr>
-                </a:solidFill>
-              </a:ln>
-            </p:spPr>
-            <p:style>
-              <a:lnRef idx="2">
-                <a:schemeClr val="accent1">
-                  <a:shade val="50000"/>
-                </a:schemeClr>
-              </a:lnRef>
-              <a:fillRef idx="1">
-                <a:schemeClr val="accent1"/>
-              </a:fillRef>
-              <a:effectRef idx="0">
-                <a:schemeClr val="accent1"/>
-              </a:effectRef>
-              <a:fontRef idx="minor">
-                <a:schemeClr val="lt1"/>
-              </a:fontRef>
-            </p:style>
-            <p:txBody>
-              <a:bodyPr vert="vert270" rtlCol="0" anchor="ctr"/>
-              <a:lstStyle/>
-              <a:p>
-                <a:pPr algn="ctr"/>
-                <a:r>
-                  <a:rPr lang="en-US" sz="5820" dirty="0"/>
-                  <a:t>d</a:t>
-                </a:r>
-              </a:p>
-            </p:txBody>
-          </p:sp>
-        </p:grpSp>
-        <p:sp>
-          <p:nvSpPr>
-            <p:cNvPr id="69" name="Rectangle 68"/>
+            <p:cNvPr id="105" name="Rectangle 104"/>
             <p:cNvSpPr>
               <a:spLocks noChangeAspect="1"/>
             </p:cNvSpPr>
@@ -4391,14 +3467,14 @@
           </p:nvSpPr>
           <p:spPr>
             <a:xfrm>
-              <a:off x="13209754" y="10104820"/>
-              <a:ext cx="917725" cy="914400"/>
+              <a:off x="19785530" y="2175662"/>
+              <a:ext cx="917527" cy="914203"/>
             </a:xfrm>
             <a:prstGeom prst="rect">
               <a:avLst/>
             </a:prstGeom>
             <a:noFill/>
-            <a:ln w="127000">
+            <a:ln w="76200">
               <a:solidFill>
                 <a:srgbClr val="238B45"/>
               </a:solidFill>
@@ -4425,11 +3501,987 @@
             <a:lstStyle/>
             <a:p>
               <a:pPr algn="ctr"/>
-              <a:endParaRPr lang="en-US" sz="1821"/>
+              <a:endParaRPr lang="en-US" sz="1821">
+                <a:solidFill>
+                  <a:schemeClr val="bg1"/>
+                </a:solidFill>
+              </a:endParaRPr>
             </a:p>
           </p:txBody>
         </p:sp>
       </p:grpSp>
+      <p:pic>
+        <p:nvPicPr>
+          <p:cNvPr id="106" name="Picture 105"/>
+          <p:cNvPicPr>
+            <a:picLocks noChangeAspect="1"/>
+          </p:cNvPicPr>
+          <p:nvPr/>
+        </p:nvPicPr>
+        <p:blipFill rotWithShape="1">
+          <a:blip r:embed="rId4">
+            <a:extLst>
+              <a:ext uri="{28A0092B-C50C-407E-A947-70E740481C1C}">
+                <a14:useLocalDpi xmlns:a14="http://schemas.microsoft.com/office/drawing/2010/main" val="0"/>
+              </a:ext>
+            </a:extLst>
+          </a:blip>
+          <a:srcRect l="1277" t="1735" r="1895" b="1714"/>
+          <a:stretch/>
+        </p:blipFill>
+        <p:spPr>
+          <a:xfrm flipV="1">
+            <a:off x="7043201" y="683860"/>
+            <a:ext cx="8247350" cy="5320659"/>
+          </a:xfrm>
+          <a:prstGeom prst="rect">
+            <a:avLst/>
+          </a:prstGeom>
+          <a:ln w="127000">
+            <a:solidFill>
+              <a:srgbClr val="B2E2E2"/>
+            </a:solidFill>
+            <a:miter lim="800000"/>
+          </a:ln>
+        </p:spPr>
+      </p:pic>
+      <p:grpSp>
+        <p:nvGrpSpPr>
+          <p:cNvPr id="107" name="Group 106"/>
+          <p:cNvGrpSpPr/>
+          <p:nvPr/>
+        </p:nvGrpSpPr>
+        <p:grpSpPr>
+          <a:xfrm>
+            <a:off x="25176" y="1010868"/>
+            <a:ext cx="5965434" cy="5287157"/>
+            <a:chOff x="646208" y="826611"/>
+            <a:chExt cx="8888661" cy="7878009"/>
+          </a:xfrm>
+        </p:grpSpPr>
+        <p:pic>
+          <p:nvPicPr>
+            <p:cNvPr id="108" name="Picture 107"/>
+            <p:cNvPicPr>
+              <a:picLocks noChangeAspect="1"/>
+            </p:cNvPicPr>
+            <p:nvPr/>
+          </p:nvPicPr>
+          <p:blipFill>
+            <a:blip r:embed="rId5">
+              <a:extLst>
+                <a:ext uri="{28A0092B-C50C-407E-A947-70E740481C1C}">
+                  <a14:useLocalDpi xmlns:a14="http://schemas.microsoft.com/office/drawing/2010/main" val="0"/>
+                </a:ext>
+              </a:extLst>
+            </a:blip>
+            <a:stretch>
+              <a:fillRect/>
+            </a:stretch>
+          </p:blipFill>
+          <p:spPr>
+            <a:xfrm>
+              <a:off x="646208" y="826611"/>
+              <a:ext cx="8888661" cy="7873316"/>
+            </a:xfrm>
+            <a:prstGeom prst="rect">
+              <a:avLst/>
+            </a:prstGeom>
+          </p:spPr>
+        </p:pic>
+        <p:cxnSp>
+          <p:nvCxnSpPr>
+            <p:cNvPr id="109" name="Straight Connector 108"/>
+            <p:cNvCxnSpPr/>
+            <p:nvPr/>
+          </p:nvCxnSpPr>
+          <p:spPr>
+            <a:xfrm flipV="1">
+              <a:off x="3245563" y="1069748"/>
+              <a:ext cx="3327483" cy="4563388"/>
+            </a:xfrm>
+            <a:prstGeom prst="line">
+              <a:avLst/>
+            </a:prstGeom>
+            <a:ln w="127000" cap="rnd">
+              <a:solidFill>
+                <a:srgbClr val="66C2A4"/>
+              </a:solidFill>
+              <a:round/>
+            </a:ln>
+          </p:spPr>
+          <p:style>
+            <a:lnRef idx="1">
+              <a:schemeClr val="accent1"/>
+            </a:lnRef>
+            <a:fillRef idx="0">
+              <a:schemeClr val="accent1"/>
+            </a:fillRef>
+            <a:effectRef idx="0">
+              <a:schemeClr val="accent1"/>
+            </a:effectRef>
+            <a:fontRef idx="minor">
+              <a:schemeClr val="tx1"/>
+            </a:fontRef>
+          </p:style>
+        </p:cxnSp>
+        <p:cxnSp>
+          <p:nvCxnSpPr>
+            <p:cNvPr id="110" name="Straight Connector 109"/>
+            <p:cNvCxnSpPr/>
+            <p:nvPr/>
+          </p:nvCxnSpPr>
+          <p:spPr>
+            <a:xfrm flipV="1">
+              <a:off x="3218386" y="5633136"/>
+              <a:ext cx="42429" cy="2991384"/>
+            </a:xfrm>
+            <a:prstGeom prst="line">
+              <a:avLst/>
+            </a:prstGeom>
+            <a:ln w="127000" cap="rnd">
+              <a:solidFill>
+                <a:srgbClr val="66C2A4"/>
+              </a:solidFill>
+              <a:round/>
+            </a:ln>
+          </p:spPr>
+          <p:style>
+            <a:lnRef idx="1">
+              <a:schemeClr val="accent1"/>
+            </a:lnRef>
+            <a:fillRef idx="0">
+              <a:schemeClr val="accent1"/>
+            </a:fillRef>
+            <a:effectRef idx="0">
+              <a:schemeClr val="accent1"/>
+            </a:effectRef>
+            <a:fontRef idx="minor">
+              <a:schemeClr val="tx1"/>
+            </a:fontRef>
+          </p:style>
+        </p:cxnSp>
+        <p:cxnSp>
+          <p:nvCxnSpPr>
+            <p:cNvPr id="111" name="Straight Connector 110"/>
+            <p:cNvCxnSpPr/>
+            <p:nvPr/>
+          </p:nvCxnSpPr>
+          <p:spPr>
+            <a:xfrm flipH="1" flipV="1">
+              <a:off x="6573046" y="1069747"/>
+              <a:ext cx="12363" cy="585617"/>
+            </a:xfrm>
+            <a:prstGeom prst="line">
+              <a:avLst/>
+            </a:prstGeom>
+            <a:ln w="127000" cap="rnd">
+              <a:solidFill>
+                <a:srgbClr val="66C2A4"/>
+              </a:solidFill>
+              <a:round/>
+            </a:ln>
+          </p:spPr>
+          <p:style>
+            <a:lnRef idx="1">
+              <a:schemeClr val="accent1"/>
+            </a:lnRef>
+            <a:fillRef idx="0">
+              <a:schemeClr val="accent1"/>
+            </a:fillRef>
+            <a:effectRef idx="0">
+              <a:schemeClr val="accent1"/>
+            </a:effectRef>
+            <a:fontRef idx="minor">
+              <a:schemeClr val="tx1"/>
+            </a:fontRef>
+          </p:style>
+        </p:cxnSp>
+        <p:cxnSp>
+          <p:nvCxnSpPr>
+            <p:cNvPr id="112" name="Straight Connector 111"/>
+            <p:cNvCxnSpPr/>
+            <p:nvPr/>
+          </p:nvCxnSpPr>
+          <p:spPr>
+            <a:xfrm flipV="1">
+              <a:off x="3218386" y="7989689"/>
+              <a:ext cx="396754" cy="634831"/>
+            </a:xfrm>
+            <a:prstGeom prst="line">
+              <a:avLst/>
+            </a:prstGeom>
+            <a:ln w="127000" cap="rnd">
+              <a:solidFill>
+                <a:srgbClr val="66C2A4"/>
+              </a:solidFill>
+              <a:round/>
+            </a:ln>
+          </p:spPr>
+          <p:style>
+            <a:lnRef idx="1">
+              <a:schemeClr val="accent1"/>
+            </a:lnRef>
+            <a:fillRef idx="0">
+              <a:schemeClr val="accent1"/>
+            </a:fillRef>
+            <a:effectRef idx="0">
+              <a:schemeClr val="accent1"/>
+            </a:effectRef>
+            <a:fontRef idx="minor">
+              <a:schemeClr val="tx1"/>
+            </a:fontRef>
+          </p:style>
+        </p:cxnSp>
+        <p:cxnSp>
+          <p:nvCxnSpPr>
+            <p:cNvPr id="113" name="Straight Connector 112"/>
+            <p:cNvCxnSpPr/>
+            <p:nvPr/>
+          </p:nvCxnSpPr>
+          <p:spPr>
+            <a:xfrm flipH="1">
+              <a:off x="9114466" y="3698076"/>
+              <a:ext cx="172352" cy="3605185"/>
+            </a:xfrm>
+            <a:prstGeom prst="line">
+              <a:avLst/>
+            </a:prstGeom>
+            <a:ln w="127000" cap="rnd">
+              <a:solidFill>
+                <a:srgbClr val="B2E2E2"/>
+              </a:solidFill>
+              <a:round/>
+            </a:ln>
+          </p:spPr>
+          <p:style>
+            <a:lnRef idx="1">
+              <a:schemeClr val="accent1"/>
+            </a:lnRef>
+            <a:fillRef idx="0">
+              <a:schemeClr val="accent1"/>
+            </a:fillRef>
+            <a:effectRef idx="0">
+              <a:schemeClr val="accent1"/>
+            </a:effectRef>
+            <a:fontRef idx="minor">
+              <a:schemeClr val="tx1"/>
+            </a:fontRef>
+          </p:style>
+        </p:cxnSp>
+        <p:cxnSp>
+          <p:nvCxnSpPr>
+            <p:cNvPr id="114" name="Straight Connector 113"/>
+            <p:cNvCxnSpPr/>
+            <p:nvPr/>
+          </p:nvCxnSpPr>
+          <p:spPr>
+            <a:xfrm>
+              <a:off x="2100733" y="2486248"/>
+              <a:ext cx="7186085" cy="1211828"/>
+            </a:xfrm>
+            <a:prstGeom prst="line">
+              <a:avLst/>
+            </a:prstGeom>
+            <a:ln w="127000" cap="rnd">
+              <a:solidFill>
+                <a:srgbClr val="B2E2E2"/>
+              </a:solidFill>
+              <a:round/>
+            </a:ln>
+          </p:spPr>
+          <p:style>
+            <a:lnRef idx="1">
+              <a:schemeClr val="accent1"/>
+            </a:lnRef>
+            <a:fillRef idx="0">
+              <a:schemeClr val="accent1"/>
+            </a:fillRef>
+            <a:effectRef idx="0">
+              <a:schemeClr val="accent1"/>
+            </a:effectRef>
+            <a:fontRef idx="minor">
+              <a:schemeClr val="tx1"/>
+            </a:fontRef>
+          </p:style>
+        </p:cxnSp>
+        <p:cxnSp>
+          <p:nvCxnSpPr>
+            <p:cNvPr id="115" name="Straight Connector 114"/>
+            <p:cNvCxnSpPr/>
+            <p:nvPr/>
+          </p:nvCxnSpPr>
+          <p:spPr>
+            <a:xfrm>
+              <a:off x="2100733" y="2486248"/>
+              <a:ext cx="45155" cy="1857723"/>
+            </a:xfrm>
+            <a:prstGeom prst="line">
+              <a:avLst/>
+            </a:prstGeom>
+            <a:ln w="127000" cap="rnd">
+              <a:solidFill>
+                <a:srgbClr val="B2E2E2"/>
+              </a:solidFill>
+              <a:round/>
+            </a:ln>
+          </p:spPr>
+          <p:style>
+            <a:lnRef idx="1">
+              <a:schemeClr val="accent1"/>
+            </a:lnRef>
+            <a:fillRef idx="0">
+              <a:schemeClr val="accent1"/>
+            </a:fillRef>
+            <a:effectRef idx="0">
+              <a:schemeClr val="accent1"/>
+            </a:effectRef>
+            <a:fontRef idx="minor">
+              <a:schemeClr val="tx1"/>
+            </a:fontRef>
+          </p:style>
+        </p:cxnSp>
+        <p:cxnSp>
+          <p:nvCxnSpPr>
+            <p:cNvPr id="116" name="Straight Connector 115"/>
+            <p:cNvCxnSpPr/>
+            <p:nvPr/>
+          </p:nvCxnSpPr>
+          <p:spPr>
+            <a:xfrm flipH="1" flipV="1">
+              <a:off x="7754591" y="6991131"/>
+              <a:ext cx="1359877" cy="312128"/>
+            </a:xfrm>
+            <a:prstGeom prst="line">
+              <a:avLst/>
+            </a:prstGeom>
+            <a:ln w="127000" cap="rnd">
+              <a:solidFill>
+                <a:srgbClr val="B2E2E2"/>
+              </a:solidFill>
+              <a:round/>
+            </a:ln>
+          </p:spPr>
+          <p:style>
+            <a:lnRef idx="1">
+              <a:schemeClr val="accent1"/>
+            </a:lnRef>
+            <a:fillRef idx="0">
+              <a:schemeClr val="accent1"/>
+            </a:fillRef>
+            <a:effectRef idx="0">
+              <a:schemeClr val="accent1"/>
+            </a:effectRef>
+            <a:fontRef idx="minor">
+              <a:schemeClr val="tx1"/>
+            </a:fontRef>
+          </p:style>
+        </p:cxnSp>
+        <p:sp>
+          <p:nvSpPr>
+            <p:cNvPr id="117" name="TextBox 116"/>
+            <p:cNvSpPr txBox="1"/>
+            <p:nvPr/>
+          </p:nvSpPr>
+          <p:spPr>
+            <a:xfrm rot="1162722">
+              <a:off x="6529929" y="6688498"/>
+              <a:ext cx="1721596" cy="372538"/>
+            </a:xfrm>
+            <a:prstGeom prst="rect">
+              <a:avLst/>
+            </a:prstGeom>
+            <a:noFill/>
+          </p:spPr>
+          <p:txBody>
+            <a:bodyPr wrap="square" rtlCol="0">
+              <a:spAutoFit/>
+            </a:bodyPr>
+            <a:lstStyle/>
+            <a:p>
+              <a:r>
+                <a:rPr lang="en-US" sz="1821" b="1" dirty="0">
+                  <a:solidFill>
+                    <a:srgbClr val="E70000"/>
+                  </a:solidFill>
+                </a:rPr>
+                <a:t>X axis</a:t>
+              </a:r>
+            </a:p>
+          </p:txBody>
+        </p:sp>
+        <p:pic>
+          <p:nvPicPr>
+            <p:cNvPr id="118" name="Picture 117"/>
+            <p:cNvPicPr>
+              <a:picLocks noChangeAspect="1"/>
+            </p:cNvPicPr>
+            <p:nvPr/>
+          </p:nvPicPr>
+          <p:blipFill>
+            <a:blip r:embed="rId6">
+              <a:extLst>
+                <a:ext uri="{28A0092B-C50C-407E-A947-70E740481C1C}">
+                  <a14:useLocalDpi xmlns:a14="http://schemas.microsoft.com/office/drawing/2010/main" val="0"/>
+                </a:ext>
+              </a:extLst>
+            </a:blip>
+            <a:stretch>
+              <a:fillRect/>
+            </a:stretch>
+          </p:blipFill>
+          <p:spPr>
+            <a:xfrm rot="236619">
+              <a:off x="4997693" y="5236930"/>
+              <a:ext cx="3536673" cy="3467690"/>
+            </a:xfrm>
+            <a:prstGeom prst="rect">
+              <a:avLst/>
+            </a:prstGeom>
+          </p:spPr>
+        </p:pic>
+      </p:grpSp>
+      <p:sp>
+        <p:nvSpPr>
+          <p:cNvPr id="119" name="TextBox 118"/>
+          <p:cNvSpPr txBox="1"/>
+          <p:nvPr/>
+        </p:nvSpPr>
+        <p:spPr>
+          <a:xfrm rot="554223">
+            <a:off x="3633118" y="1815182"/>
+            <a:ext cx="3180896" cy="1107996"/>
+          </a:xfrm>
+          <a:prstGeom prst="rect">
+            <a:avLst/>
+          </a:prstGeom>
+          <a:noFill/>
+          <a:ln cap="rnd">
+            <a:noFill/>
+            <a:round/>
+          </a:ln>
+        </p:spPr>
+        <p:txBody>
+          <a:bodyPr wrap="square" rtlCol="0">
+            <a:spAutoFit/>
+          </a:bodyPr>
+          <a:lstStyle/>
+          <a:p>
+            <a:r>
+              <a:rPr lang="en-US" sz="6600" dirty="0" smtClean="0">
+                <a:effectLst>
+                  <a:glow rad="101600">
+                    <a:schemeClr val="bg1">
+                      <a:alpha val="60000"/>
+                    </a:schemeClr>
+                  </a:glow>
+                </a:effectLst>
+              </a:rPr>
+              <a:t>XY </a:t>
+            </a:r>
+            <a:r>
+              <a:rPr lang="en-US" sz="6600" dirty="0">
+                <a:effectLst>
+                  <a:glow rad="101600">
+                    <a:schemeClr val="bg1">
+                      <a:alpha val="60000"/>
+                    </a:schemeClr>
+                  </a:glow>
+                </a:effectLst>
+              </a:rPr>
+              <a:t>Plane</a:t>
+            </a:r>
+          </a:p>
+        </p:txBody>
+      </p:sp>
+      <p:sp>
+        <p:nvSpPr>
+          <p:cNvPr id="120" name="TextBox 119"/>
+          <p:cNvSpPr txBox="1"/>
+          <p:nvPr/>
+        </p:nvSpPr>
+        <p:spPr>
+          <a:xfrm>
+            <a:off x="2278208" y="63339"/>
+            <a:ext cx="3122970" cy="1107996"/>
+          </a:xfrm>
+          <a:prstGeom prst="rect">
+            <a:avLst/>
+          </a:prstGeom>
+          <a:noFill/>
+        </p:spPr>
+        <p:txBody>
+          <a:bodyPr wrap="square" rtlCol="0" anchor="ctr">
+            <a:spAutoFit/>
+          </a:bodyPr>
+          <a:lstStyle/>
+          <a:p>
+            <a:pPr algn="ctr"/>
+            <a:r>
+              <a:rPr lang="en-US" sz="6600" dirty="0" smtClean="0"/>
+              <a:t>YZ </a:t>
+            </a:r>
+            <a:r>
+              <a:rPr lang="en-US" sz="6600" dirty="0"/>
+              <a:t>Plane</a:t>
+            </a:r>
+          </a:p>
+        </p:txBody>
+      </p:sp>
+      <p:sp>
+        <p:nvSpPr>
+          <p:cNvPr id="121" name="Teardrop 120"/>
+          <p:cNvSpPr>
+            <a:spLocks noChangeAspect="1"/>
+          </p:cNvSpPr>
+          <p:nvPr/>
+        </p:nvSpPr>
+        <p:spPr>
+          <a:xfrm rot="5400000">
+            <a:off x="86934" y="-21846"/>
+            <a:ext cx="1447909" cy="1507476"/>
+          </a:xfrm>
+          <a:prstGeom prst="teardrop">
+            <a:avLst/>
+          </a:prstGeom>
+          <a:solidFill>
+            <a:srgbClr val="238B45"/>
+          </a:solidFill>
+          <a:ln>
+            <a:solidFill>
+              <a:schemeClr val="accent1">
+                <a:shade val="50000"/>
+                <a:alpha val="19000"/>
+              </a:schemeClr>
+            </a:solidFill>
+          </a:ln>
+        </p:spPr>
+        <p:style>
+          <a:lnRef idx="2">
+            <a:schemeClr val="accent1">
+              <a:shade val="50000"/>
+            </a:schemeClr>
+          </a:lnRef>
+          <a:fillRef idx="1">
+            <a:schemeClr val="accent1"/>
+          </a:fillRef>
+          <a:effectRef idx="0">
+            <a:schemeClr val="accent1"/>
+          </a:effectRef>
+          <a:fontRef idx="minor">
+            <a:schemeClr val="lt1"/>
+          </a:fontRef>
+        </p:style>
+        <p:txBody>
+          <a:bodyPr vert="vert270" rtlCol="0" anchor="ctr"/>
+          <a:lstStyle/>
+          <a:p>
+            <a:pPr algn="ctr"/>
+            <a:r>
+              <a:rPr lang="en-US" sz="11500" dirty="0" smtClean="0"/>
+              <a:t>A</a:t>
+            </a:r>
+            <a:endParaRPr lang="en-US" sz="11500" dirty="0"/>
+          </a:p>
+        </p:txBody>
+      </p:sp>
+      <p:sp>
+        <p:nvSpPr>
+          <p:cNvPr id="122" name="Teardrop 121"/>
+          <p:cNvSpPr>
+            <a:spLocks noChangeAspect="1"/>
+          </p:cNvSpPr>
+          <p:nvPr/>
+        </p:nvSpPr>
+        <p:spPr>
+          <a:xfrm rot="5400000">
+            <a:off x="15887151" y="-21846"/>
+            <a:ext cx="1447909" cy="1507476"/>
+          </a:xfrm>
+          <a:prstGeom prst="teardrop">
+            <a:avLst/>
+          </a:prstGeom>
+          <a:solidFill>
+            <a:srgbClr val="238B45"/>
+          </a:solidFill>
+          <a:ln>
+            <a:solidFill>
+              <a:schemeClr val="accent1">
+                <a:shade val="50000"/>
+                <a:alpha val="19000"/>
+              </a:schemeClr>
+            </a:solidFill>
+          </a:ln>
+        </p:spPr>
+        <p:style>
+          <a:lnRef idx="2">
+            <a:schemeClr val="accent1">
+              <a:shade val="50000"/>
+            </a:schemeClr>
+          </a:lnRef>
+          <a:fillRef idx="1">
+            <a:schemeClr val="accent1"/>
+          </a:fillRef>
+          <a:effectRef idx="0">
+            <a:schemeClr val="accent1"/>
+          </a:effectRef>
+          <a:fontRef idx="minor">
+            <a:schemeClr val="lt1"/>
+          </a:fontRef>
+        </p:style>
+        <p:txBody>
+          <a:bodyPr vert="vert270" rtlCol="0" anchor="ctr"/>
+          <a:lstStyle/>
+          <a:p>
+            <a:pPr algn="ctr"/>
+            <a:r>
+              <a:rPr lang="en-US" sz="11500" dirty="0" smtClean="0"/>
+              <a:t>C</a:t>
+            </a:r>
+            <a:endParaRPr lang="en-US" sz="11500" dirty="0"/>
+          </a:p>
+        </p:txBody>
+      </p:sp>
+      <p:sp>
+        <p:nvSpPr>
+          <p:cNvPr id="123" name="Teardrop 122"/>
+          <p:cNvSpPr>
+            <a:spLocks noChangeAspect="1"/>
+          </p:cNvSpPr>
+          <p:nvPr/>
+        </p:nvSpPr>
+        <p:spPr>
+          <a:xfrm rot="5400000">
+            <a:off x="7072985" y="-21846"/>
+            <a:ext cx="1447909" cy="1507476"/>
+          </a:xfrm>
+          <a:prstGeom prst="teardrop">
+            <a:avLst/>
+          </a:prstGeom>
+          <a:solidFill>
+            <a:srgbClr val="238B45"/>
+          </a:solidFill>
+          <a:ln>
+            <a:solidFill>
+              <a:schemeClr val="accent1">
+                <a:shade val="50000"/>
+                <a:alpha val="19000"/>
+              </a:schemeClr>
+            </a:solidFill>
+          </a:ln>
+        </p:spPr>
+        <p:style>
+          <a:lnRef idx="2">
+            <a:schemeClr val="accent1">
+              <a:shade val="50000"/>
+            </a:schemeClr>
+          </a:lnRef>
+          <a:fillRef idx="1">
+            <a:schemeClr val="accent1"/>
+          </a:fillRef>
+          <a:effectRef idx="0">
+            <a:schemeClr val="accent1"/>
+          </a:effectRef>
+          <a:fontRef idx="minor">
+            <a:schemeClr val="lt1"/>
+          </a:fontRef>
+        </p:style>
+        <p:txBody>
+          <a:bodyPr vert="vert270" rtlCol="0" anchor="ctr"/>
+          <a:lstStyle/>
+          <a:p>
+            <a:pPr algn="ctr"/>
+            <a:r>
+              <a:rPr lang="en-US" sz="11500" dirty="0" smtClean="0"/>
+              <a:t>B</a:t>
+            </a:r>
+            <a:endParaRPr lang="en-US" sz="11500" dirty="0"/>
+          </a:p>
+        </p:txBody>
+      </p:sp>
+      <p:cxnSp>
+        <p:nvCxnSpPr>
+          <p:cNvPr id="124" name="Straight Connector 123"/>
+          <p:cNvCxnSpPr/>
+          <p:nvPr/>
+        </p:nvCxnSpPr>
+        <p:spPr>
+          <a:xfrm>
+            <a:off x="20703057" y="2913747"/>
+            <a:ext cx="4723801" cy="3090772"/>
+          </a:xfrm>
+          <a:prstGeom prst="line">
+            <a:avLst/>
+          </a:prstGeom>
+          <a:ln w="76200">
+            <a:solidFill>
+              <a:schemeClr val="tx1"/>
+            </a:solidFill>
+            <a:prstDash val="sysDot"/>
+          </a:ln>
+        </p:spPr>
+        <p:style>
+          <a:lnRef idx="1">
+            <a:schemeClr val="accent1"/>
+          </a:lnRef>
+          <a:fillRef idx="0">
+            <a:schemeClr val="accent1"/>
+          </a:fillRef>
+          <a:effectRef idx="0">
+            <a:schemeClr val="accent1"/>
+          </a:effectRef>
+          <a:fontRef idx="minor">
+            <a:schemeClr val="tx1"/>
+          </a:fontRef>
+        </p:style>
+      </p:cxnSp>
+      <p:cxnSp>
+        <p:nvCxnSpPr>
+          <p:cNvPr id="125" name="Straight Connector 124"/>
+          <p:cNvCxnSpPr/>
+          <p:nvPr/>
+        </p:nvCxnSpPr>
+        <p:spPr>
+          <a:xfrm flipV="1">
+            <a:off x="20703057" y="683860"/>
+            <a:ext cx="4610583" cy="1315685"/>
+          </a:xfrm>
+          <a:prstGeom prst="line">
+            <a:avLst/>
+          </a:prstGeom>
+          <a:ln w="76200">
+            <a:solidFill>
+              <a:schemeClr val="tx1"/>
+            </a:solidFill>
+            <a:prstDash val="sysDot"/>
+          </a:ln>
+        </p:spPr>
+        <p:style>
+          <a:lnRef idx="1">
+            <a:schemeClr val="accent1"/>
+          </a:lnRef>
+          <a:fillRef idx="0">
+            <a:schemeClr val="accent1"/>
+          </a:fillRef>
+          <a:effectRef idx="0">
+            <a:schemeClr val="accent1"/>
+          </a:effectRef>
+          <a:fontRef idx="minor">
+            <a:schemeClr val="tx1"/>
+          </a:fontRef>
+        </p:style>
+      </p:cxnSp>
+      <p:pic>
+        <p:nvPicPr>
+          <p:cNvPr id="126" name="Picture 125"/>
+          <p:cNvPicPr>
+            <a:picLocks noChangeAspect="1"/>
+          </p:cNvPicPr>
+          <p:nvPr/>
+        </p:nvPicPr>
+        <p:blipFill>
+          <a:blip r:embed="rId7">
+            <a:extLst>
+              <a:ext uri="{28A0092B-C50C-407E-A947-70E740481C1C}">
+                <a14:useLocalDpi xmlns:a14="http://schemas.microsoft.com/office/drawing/2010/main" val="0"/>
+              </a:ext>
+            </a:extLst>
+          </a:blip>
+          <a:stretch>
+            <a:fillRect/>
+          </a:stretch>
+        </p:blipFill>
+        <p:spPr>
+          <a:xfrm rot="5400000">
+            <a:off x="25500466" y="610253"/>
+            <a:ext cx="5320657" cy="5467872"/>
+          </a:xfrm>
+          <a:prstGeom prst="rect">
+            <a:avLst/>
+          </a:prstGeom>
+          <a:ln w="127000">
+            <a:solidFill>
+              <a:srgbClr val="238B45"/>
+            </a:solidFill>
+            <a:miter lim="800000"/>
+          </a:ln>
+        </p:spPr>
+      </p:pic>
+      <p:sp>
+        <p:nvSpPr>
+          <p:cNvPr id="127" name="Teardrop 126"/>
+          <p:cNvSpPr>
+            <a:spLocks noChangeAspect="1"/>
+          </p:cNvSpPr>
+          <p:nvPr/>
+        </p:nvSpPr>
+        <p:spPr>
+          <a:xfrm rot="5400000">
+            <a:off x="25456642" y="-21846"/>
+            <a:ext cx="1447909" cy="1507476"/>
+          </a:xfrm>
+          <a:prstGeom prst="teardrop">
+            <a:avLst/>
+          </a:prstGeom>
+          <a:solidFill>
+            <a:srgbClr val="238B45"/>
+          </a:solidFill>
+          <a:ln>
+            <a:solidFill>
+              <a:schemeClr val="accent1">
+                <a:shade val="50000"/>
+                <a:alpha val="19000"/>
+              </a:schemeClr>
+            </a:solidFill>
+          </a:ln>
+        </p:spPr>
+        <p:style>
+          <a:lnRef idx="2">
+            <a:schemeClr val="accent1">
+              <a:shade val="50000"/>
+            </a:schemeClr>
+          </a:lnRef>
+          <a:fillRef idx="1">
+            <a:schemeClr val="accent1"/>
+          </a:fillRef>
+          <a:effectRef idx="0">
+            <a:schemeClr val="accent1"/>
+          </a:effectRef>
+          <a:fontRef idx="minor">
+            <a:schemeClr val="lt1"/>
+          </a:fontRef>
+        </p:style>
+        <p:txBody>
+          <a:bodyPr vert="vert270" rtlCol="0" anchor="ctr"/>
+          <a:lstStyle/>
+          <a:p>
+            <a:pPr algn="ctr"/>
+            <a:r>
+              <a:rPr lang="en-US" sz="11500" dirty="0" smtClean="0"/>
+              <a:t>D</a:t>
+            </a:r>
+            <a:endParaRPr lang="en-US" sz="11500" dirty="0"/>
+          </a:p>
+        </p:txBody>
+      </p:sp>
+      <p:sp>
+        <p:nvSpPr>
+          <p:cNvPr id="128" name="TextBox 127"/>
+          <p:cNvSpPr txBox="1"/>
+          <p:nvPr/>
+        </p:nvSpPr>
+        <p:spPr>
+          <a:xfrm>
+            <a:off x="9576428" y="4896522"/>
+            <a:ext cx="3180896" cy="1107996"/>
+          </a:xfrm>
+          <a:prstGeom prst="rect">
+            <a:avLst/>
+          </a:prstGeom>
+          <a:noFill/>
+          <a:ln cap="rnd">
+            <a:noFill/>
+            <a:round/>
+          </a:ln>
+        </p:spPr>
+        <p:txBody>
+          <a:bodyPr wrap="square" rtlCol="0">
+            <a:spAutoFit/>
+          </a:bodyPr>
+          <a:lstStyle/>
+          <a:p>
+            <a:r>
+              <a:rPr lang="en-US" sz="6600" dirty="0" smtClean="0">
+                <a:solidFill>
+                  <a:schemeClr val="bg1"/>
+                </a:solidFill>
+                <a:effectLst>
+                  <a:glow rad="101600">
+                    <a:schemeClr val="tx1">
+                      <a:alpha val="60000"/>
+                    </a:schemeClr>
+                  </a:glow>
+                </a:effectLst>
+              </a:rPr>
+              <a:t>XY </a:t>
+            </a:r>
+            <a:r>
+              <a:rPr lang="en-US" sz="6600" dirty="0">
+                <a:solidFill>
+                  <a:schemeClr val="bg1"/>
+                </a:solidFill>
+                <a:effectLst>
+                  <a:glow rad="101600">
+                    <a:schemeClr val="tx1">
+                      <a:alpha val="60000"/>
+                    </a:schemeClr>
+                  </a:glow>
+                </a:effectLst>
+              </a:rPr>
+              <a:t>Plane</a:t>
+            </a:r>
+          </a:p>
+        </p:txBody>
+      </p:sp>
+      <p:sp>
+        <p:nvSpPr>
+          <p:cNvPr id="129" name="TextBox 128"/>
+          <p:cNvSpPr txBox="1"/>
+          <p:nvPr/>
+        </p:nvSpPr>
+        <p:spPr>
+          <a:xfrm>
+            <a:off x="18768257" y="4896522"/>
+            <a:ext cx="3180896" cy="1107996"/>
+          </a:xfrm>
+          <a:prstGeom prst="rect">
+            <a:avLst/>
+          </a:prstGeom>
+          <a:noFill/>
+          <a:ln cap="rnd">
+            <a:noFill/>
+            <a:round/>
+          </a:ln>
+        </p:spPr>
+        <p:txBody>
+          <a:bodyPr wrap="square" rtlCol="0">
+            <a:spAutoFit/>
+          </a:bodyPr>
+          <a:lstStyle/>
+          <a:p>
+            <a:r>
+              <a:rPr lang="en-US" sz="6600" dirty="0" smtClean="0">
+                <a:solidFill>
+                  <a:schemeClr val="bg1"/>
+                </a:solidFill>
+                <a:effectLst>
+                  <a:glow rad="101600">
+                    <a:schemeClr val="tx1">
+                      <a:alpha val="60000"/>
+                    </a:schemeClr>
+                  </a:glow>
+                </a:effectLst>
+              </a:rPr>
+              <a:t>YZ </a:t>
+            </a:r>
+            <a:r>
+              <a:rPr lang="en-US" sz="6600" dirty="0">
+                <a:solidFill>
+                  <a:schemeClr val="bg1"/>
+                </a:solidFill>
+                <a:effectLst>
+                  <a:glow rad="101600">
+                    <a:schemeClr val="tx1">
+                      <a:alpha val="60000"/>
+                    </a:schemeClr>
+                  </a:glow>
+                </a:effectLst>
+              </a:rPr>
+              <a:t>Plane</a:t>
+            </a:r>
+          </a:p>
+        </p:txBody>
+      </p:sp>
     </p:spTree>
     <p:extLst>
       <p:ext uri="{BB962C8B-B14F-4D97-AF65-F5344CB8AC3E}">
@@ -4493,7 +4545,7 @@
     </a:clrScheme>
     <a:fontScheme name="Office Theme">
       <a:majorFont>
-        <a:latin typeface="Calibri Light" panose="020F0302020204030204"/>
+        <a:latin typeface="Calibri Light"/>
         <a:ea typeface=""/>
         <a:cs typeface=""/>
         <a:font script="Jpan" typeface="ＭＳ Ｐゴシック"/>
@@ -4528,7 +4580,7 @@
         <a:font script="Geor" typeface="Sylfaen"/>
       </a:majorFont>
       <a:minorFont>
-        <a:latin typeface="Calibri" panose="020F0502020204030204"/>
+        <a:latin typeface="Calibri"/>
         <a:ea typeface=""/>
         <a:cs typeface=""/>
         <a:font script="Jpan" typeface="ＭＳ Ｐゴシック"/>
@@ -4705,7 +4757,7 @@
   <a:extraClrSchemeLst/>
   <a:extLst>
     <a:ext uri="{05A4C25C-085E-4340-85A3-A5531E510DB2}">
-      <thm15:themeFamily xmlns="" xmlns:thm15="http://schemas.microsoft.com/office/thememl/2012/main" name="Office Theme" id="{62F939B6-93AF-4DB8-9C6B-D6C7DFDC589F}" vid="{4A3C46E8-61CC-4603-A589-7422A47A8E4A}"/>
+      <thm15:themeFamily xmlns:thm15="http://schemas.microsoft.com/office/thememl/2012/main" xmlns="" name="Office Theme" id="{62F939B6-93AF-4DB8-9C6B-D6C7DFDC589F}" vid="{4A3C46E8-61CC-4603-A589-7422A47A8E4A}"/>
     </a:ext>
   </a:extLst>
 </a:theme>
